--- a/teaching/19f-cis428/Class-00.pptx
+++ b/teaching/19f-cis428/Class-00.pptx
@@ -201,7 +201,7 @@
           <a:p>
             <a:fld id="{24EF0FC3-3292-EF48-8F99-2204AA13DA94}" type="datetimeFigureOut">
               <a:rPr lang="en-US" smtClean="0"/>
-              <a:t>4/18/17</a:t>
+              <a:t>8/27/19</a:t>
             </a:fld>
             <a:endParaRPr lang="en-US"/>
           </a:p>
@@ -832,7 +832,7 @@
           <a:p>
             <a:fld id="{DBD910C3-9920-9248-B559-EA127E9C317E}" type="datetimeFigureOut">
               <a:rPr lang="en-US" smtClean="0"/>
-              <a:t>4/18/17</a:t>
+              <a:t>8/27/19</a:t>
             </a:fld>
             <a:endParaRPr lang="en-US"/>
           </a:p>
@@ -1002,7 +1002,7 @@
           <a:p>
             <a:fld id="{DBD910C3-9920-9248-B559-EA127E9C317E}" type="datetimeFigureOut">
               <a:rPr lang="en-US" smtClean="0"/>
-              <a:t>4/18/17</a:t>
+              <a:t>8/27/19</a:t>
             </a:fld>
             <a:endParaRPr lang="en-US"/>
           </a:p>
@@ -1182,7 +1182,7 @@
           <a:p>
             <a:fld id="{DBD910C3-9920-9248-B559-EA127E9C317E}" type="datetimeFigureOut">
               <a:rPr lang="en-US" smtClean="0"/>
-              <a:t>4/18/17</a:t>
+              <a:t>8/27/19</a:t>
             </a:fld>
             <a:endParaRPr lang="en-US"/>
           </a:p>
@@ -1352,7 +1352,7 @@
           <a:p>
             <a:fld id="{DBD910C3-9920-9248-B559-EA127E9C317E}" type="datetimeFigureOut">
               <a:rPr lang="en-US" smtClean="0"/>
-              <a:t>4/18/17</a:t>
+              <a:t>8/27/19</a:t>
             </a:fld>
             <a:endParaRPr lang="en-US"/>
           </a:p>
@@ -1598,7 +1598,7 @@
           <a:p>
             <a:fld id="{DBD910C3-9920-9248-B559-EA127E9C317E}" type="datetimeFigureOut">
               <a:rPr lang="en-US" smtClean="0"/>
-              <a:t>4/18/17</a:t>
+              <a:t>8/27/19</a:t>
             </a:fld>
             <a:endParaRPr lang="en-US"/>
           </a:p>
@@ -1886,7 +1886,7 @@
           <a:p>
             <a:fld id="{DBD910C3-9920-9248-B559-EA127E9C317E}" type="datetimeFigureOut">
               <a:rPr lang="en-US" smtClean="0"/>
-              <a:t>4/18/17</a:t>
+              <a:t>8/27/19</a:t>
             </a:fld>
             <a:endParaRPr lang="en-US"/>
           </a:p>
@@ -2308,7 +2308,7 @@
           <a:p>
             <a:fld id="{DBD910C3-9920-9248-B559-EA127E9C317E}" type="datetimeFigureOut">
               <a:rPr lang="en-US" smtClean="0"/>
-              <a:t>4/18/17</a:t>
+              <a:t>8/27/19</a:t>
             </a:fld>
             <a:endParaRPr lang="en-US"/>
           </a:p>
@@ -2426,7 +2426,7 @@
           <a:p>
             <a:fld id="{DBD910C3-9920-9248-B559-EA127E9C317E}" type="datetimeFigureOut">
               <a:rPr lang="en-US" smtClean="0"/>
-              <a:t>4/18/17</a:t>
+              <a:t>8/27/19</a:t>
             </a:fld>
             <a:endParaRPr lang="en-US"/>
           </a:p>
@@ -2521,7 +2521,7 @@
           <a:p>
             <a:fld id="{DBD910C3-9920-9248-B559-EA127E9C317E}" type="datetimeFigureOut">
               <a:rPr lang="en-US" smtClean="0"/>
-              <a:t>4/18/17</a:t>
+              <a:t>8/27/19</a:t>
             </a:fld>
             <a:endParaRPr lang="en-US"/>
           </a:p>
@@ -2798,7 +2798,7 @@
           <a:p>
             <a:fld id="{DBD910C3-9920-9248-B559-EA127E9C317E}" type="datetimeFigureOut">
               <a:rPr lang="en-US" smtClean="0"/>
-              <a:t>4/18/17</a:t>
+              <a:t>8/27/19</a:t>
             </a:fld>
             <a:endParaRPr lang="en-US"/>
           </a:p>
@@ -3051,7 +3051,7 @@
           <a:p>
             <a:fld id="{DBD910C3-9920-9248-B559-EA127E9C317E}" type="datetimeFigureOut">
               <a:rPr lang="en-US" smtClean="0"/>
-              <a:t>4/18/17</a:t>
+              <a:t>8/27/19</a:t>
             </a:fld>
             <a:endParaRPr lang="en-US"/>
           </a:p>
@@ -3264,7 +3264,7 @@
           <a:p>
             <a:fld id="{DBD910C3-9920-9248-B559-EA127E9C317E}" type="datetimeFigureOut">
               <a:rPr lang="en-US" smtClean="0"/>
-              <a:t>4/18/17</a:t>
+              <a:t>8/27/19</a:t>
             </a:fld>
             <a:endParaRPr lang="en-US"/>
           </a:p>
@@ -3656,7 +3656,7 @@
           <a:p>
             <a:r>
               <a:rPr lang="en-US" dirty="0" smtClean="0"/>
-              <a:t>Course Introduction</a:t>
+              <a:t>CIS428/CIS628 Introduction to Cryptography</a:t>
             </a:r>
             <a:endParaRPr lang="en-US" dirty="0"/>
           </a:p>
@@ -3679,7 +3679,13 @@
           <a:p>
             <a:r>
               <a:rPr lang="en-US" dirty="0" smtClean="0"/>
-              <a:t>Yuzhe Tang</a:t>
+              <a:t>Dr. Yuzhe Richard Tang</a:t>
+            </a:r>
+          </a:p>
+          <a:p>
+            <a:r>
+              <a:rPr lang="en-US" dirty="0" smtClean="0"/>
+              <a:t>Department of EECS</a:t>
             </a:r>
             <a:endParaRPr lang="en-US" dirty="0"/>
           </a:p>
@@ -3699,7 +3705,7 @@
 </file>
 
 <file path=ppt/slides/slide10.xml><?xml version="1.0" encoding="utf-8"?>
-<p:sld xmlns:a="http://schemas.openxmlformats.org/drawingml/2006/main" xmlns:r="http://schemas.openxmlformats.org/officeDocument/2006/relationships" xmlns:p="http://schemas.openxmlformats.org/presentationml/2006/main">
+<p:sld xmlns:a="http://schemas.openxmlformats.org/drawingml/2006/main" xmlns:r="http://schemas.openxmlformats.org/officeDocument/2006/relationships" xmlns:p="http://schemas.openxmlformats.org/presentationml/2006/main" show="0">
   <p:cSld>
     <p:spTree>
       <p:nvGrpSpPr>
@@ -3732,7 +3738,7 @@
           <a:p>
             <a:r>
               <a:rPr lang="en-US" dirty="0" smtClean="0"/>
-              <a:t>Introduce yourself</a:t>
+              <a:t>Survey</a:t>
             </a:r>
             <a:endParaRPr lang="en-US" dirty="0"/>
           </a:p>
@@ -3849,6 +3855,14 @@
   <p:clrMapOvr>
     <a:masterClrMapping/>
   </p:clrMapOvr>
+  <mc:AlternateContent xmlns:mc="http://schemas.openxmlformats.org/markup-compatibility/2006">
+    <mc:Choice xmlns:p14="http://schemas.microsoft.com/office/powerpoint/2010/main" Requires="p14">
+      <p:transition spd="slow" p14:dur="2000"/>
+    </mc:Choice>
+    <mc:Fallback>
+      <p:transition xmlns:p14="http://schemas.microsoft.com/office/powerpoint/2010/main" spd="slow"/>
+    </mc:Fallback>
+  </mc:AlternateContent>
 </p:sld>
 </file>
 
@@ -4073,7 +4087,7 @@
           <a:p>
             <a:r>
               <a:rPr lang="en-US" dirty="0" smtClean="0"/>
-              <a:t>Teaching Goal</a:t>
+              <a:t>Learning Goal</a:t>
             </a:r>
             <a:endParaRPr lang="en-US" dirty="0"/>
           </a:p>
@@ -4110,18 +4124,18 @@
             </a:r>
             <a:r>
               <a:rPr lang="en-US" dirty="0" smtClean="0"/>
-              <a:t>Syllabus [</a:t>
-            </a:r>
+              <a:t>Syllabus:</a:t>
+            </a:r>
+          </a:p>
+          <a:p>
+            <a:pPr marL="742950" lvl="2" indent="-342900"/>
             <a:r>
               <a:rPr lang="en-US" dirty="0" smtClean="0">
                 <a:hlinkClick r:id="rId3"/>
               </a:rPr>
-              <a:t>link</a:t>
-            </a:r>
-            <a:r>
-              <a:rPr lang="en-US" dirty="0" smtClean="0"/>
-              <a:t>]</a:t>
-            </a:r>
+              <a:t>http://tristartom.github.io/teaching/19f-fin600/syllabus.pdf</a:t>
+            </a:r>
+            <a:endParaRPr lang="en-US" dirty="0" smtClean="0"/>
           </a:p>
           <a:p>
             <a:pPr marL="342900" lvl="1" indent="-342900">
@@ -4182,76 +4196,78 @@
           </a:xfrm>
         </p:spPr>
         <p:txBody>
-          <a:bodyPr/>
-          <a:lstStyle/>
-          <a:p>
-            <a:r>
-              <a:rPr lang="en-US" dirty="0" smtClean="0"/>
-              <a:t>Why should you take this course?</a:t>
-            </a:r>
+          <a:bodyPr>
+            <a:normAutofit/>
+          </a:bodyPr>
+          <a:lstStyle/>
+          <a:p>
+            <a:r>
+              <a:rPr lang="en-US" sz="3500" b="1" dirty="0" smtClean="0"/>
+              <a:t>Why this course may be of your interest?</a:t>
+            </a:r>
+            <a:endParaRPr lang="en-US" sz="3500" b="1" dirty="0"/>
+          </a:p>
+        </p:txBody>
+      </p:sp>
+      <p:sp>
+        <p:nvSpPr>
+          <p:cNvPr id="3" name="Content Placeholder 2"/>
+          <p:cNvSpPr>
+            <a:spLocks noGrp="1"/>
+          </p:cNvSpPr>
+          <p:nvPr>
+            <p:ph idx="1"/>
+          </p:nvPr>
+        </p:nvSpPr>
+        <p:spPr/>
+        <p:txBody>
+          <a:bodyPr/>
+          <a:lstStyle/>
+          <a:p>
+            <a:r>
+              <a:rPr lang="en-US" dirty="0" smtClean="0"/>
+              <a:t>Unfilled cyber-security jobs</a:t>
+            </a:r>
+          </a:p>
+          <a:p>
+            <a:endParaRPr lang="en-US" dirty="0" smtClean="0"/>
+          </a:p>
+          <a:p>
             <a:endParaRPr lang="en-US" dirty="0"/>
           </a:p>
-        </p:txBody>
-      </p:sp>
-      <p:sp>
-        <p:nvSpPr>
-          <p:cNvPr id="3" name="Content Placeholder 2"/>
-          <p:cNvSpPr>
-            <a:spLocks noGrp="1"/>
-          </p:cNvSpPr>
-          <p:nvPr>
-            <p:ph idx="1"/>
-          </p:nvPr>
-        </p:nvSpPr>
-        <p:spPr/>
-        <p:txBody>
-          <a:bodyPr/>
-          <a:lstStyle/>
-          <a:p>
-            <a:r>
-              <a:rPr lang="en-US" dirty="0" smtClean="0"/>
-              <a:t>Unfilled cyber-security jobs</a:t>
-            </a:r>
-          </a:p>
-          <a:p>
-            <a:endParaRPr lang="en-US" dirty="0" smtClean="0"/>
-          </a:p>
-          <a:p>
+          <a:p>
+            <a:r>
+              <a:rPr lang="en-US" dirty="0" smtClean="0"/>
+              <a:t>Cryptology is used in many companies </a:t>
+            </a:r>
+          </a:p>
+          <a:p>
+            <a:pPr lvl="1"/>
+            <a:r>
+              <a:rPr lang="en-US" dirty="0" smtClean="0"/>
+              <a:t>Security applications: </a:t>
+            </a:r>
+          </a:p>
+          <a:p>
+            <a:pPr lvl="2"/>
+            <a:r>
+              <a:rPr lang="en-US" dirty="0" smtClean="0"/>
+              <a:t>Password, remote user-login, </a:t>
+            </a:r>
             <a:endParaRPr lang="en-US" dirty="0"/>
           </a:p>
           <a:p>
-            <a:r>
-              <a:rPr lang="en-US" dirty="0" smtClean="0"/>
-              <a:t>Cryptology is used in many companies </a:t>
-            </a:r>
-          </a:p>
-          <a:p>
-            <a:pPr lvl="1"/>
-            <a:r>
-              <a:rPr lang="en-US" dirty="0" smtClean="0"/>
-              <a:t>Security applications: </a:t>
-            </a:r>
-          </a:p>
-          <a:p>
             <a:pPr lvl="2"/>
             <a:r>
               <a:rPr lang="en-US" dirty="0" smtClean="0"/>
-              <a:t>Password, remote user-login, </a:t>
-            </a:r>
-            <a:endParaRPr lang="en-US" dirty="0"/>
+              <a:t>Secure transactions, </a:t>
+            </a:r>
           </a:p>
           <a:p>
             <a:pPr lvl="2"/>
             <a:r>
               <a:rPr lang="en-US" dirty="0" smtClean="0"/>
-              <a:t>Secure transactions, </a:t>
-            </a:r>
-          </a:p>
-          <a:p>
-            <a:pPr lvl="2"/>
-            <a:r>
-              <a:rPr lang="en-US" dirty="0" smtClean="0"/>
-              <a:t>Encrypted disk, </a:t>
+              <a:t>Encrypted disk </a:t>
             </a:r>
             <a:endParaRPr lang="en-US" dirty="0"/>
           </a:p>
@@ -4400,14 +4416,38 @@
             <a:pPr lvl="1"/>
             <a:r>
               <a:rPr lang="en-US" dirty="0" smtClean="0"/>
-              <a:t>Knowledge (or interest) in cryptography</a:t>
+              <a:t>Basic k</a:t>
+            </a:r>
+            <a:r>
+              <a:rPr lang="en-US" dirty="0" smtClean="0"/>
+              <a:t>nowledge </a:t>
+            </a:r>
+            <a:r>
+              <a:rPr lang="en-US" dirty="0" smtClean="0"/>
+              <a:t>(or interest) in cryptography</a:t>
             </a:r>
           </a:p>
           <a:p>
             <a:pPr lvl="1"/>
             <a:r>
               <a:rPr lang="en-US" dirty="0" smtClean="0"/>
-              <a:t>Knowledge in programming (C/Java), systems, basic math.</a:t>
+              <a:t>Basic k</a:t>
+            </a:r>
+            <a:r>
+              <a:rPr lang="en-US" dirty="0" smtClean="0"/>
+              <a:t>nowledge </a:t>
+            </a:r>
+            <a:r>
+              <a:rPr lang="en-US" dirty="0" smtClean="0"/>
+              <a:t>in programming (C/Java), </a:t>
+            </a:r>
+            <a:r>
+              <a:rPr lang="en-US" dirty="0" smtClean="0"/>
+              <a:t>scripting, </a:t>
+            </a:r>
+            <a:r>
+              <a:rPr lang="en-US" dirty="0" smtClean="0"/>
+              <a:t>basic math.</a:t>
             </a:r>
           </a:p>
           <a:p>
@@ -4426,13 +4466,13 @@
       </p:sp>
       <p:pic>
         <p:nvPicPr>
-          <p:cNvPr id="5" name="Picture 4" descr="Screen Shot 2017-01-21 at 1.04.36 PM.png"/>
+          <p:cNvPr id="6" name="Picture 5" descr="Screen Shot 2019-08-27 at 7.16.05 AM.png"/>
           <p:cNvPicPr>
             <a:picLocks noChangeAspect="1"/>
           </p:cNvPicPr>
           <p:nvPr/>
         </p:nvPicPr>
-        <p:blipFill rotWithShape="1">
+        <p:blipFill>
           <a:blip r:embed="rId2">
             <a:extLst>
               <a:ext uri="{28A0092B-C50C-407E-A947-70E740481C1C}">
@@ -4440,13 +4480,14 @@
               </a:ext>
             </a:extLst>
           </a:blip>
-          <a:srcRect r="29971"/>
-          <a:stretch/>
+          <a:stretch>
+            <a:fillRect/>
+          </a:stretch>
         </p:blipFill>
         <p:spPr>
           <a:xfrm>
-            <a:off x="243305" y="4063810"/>
-            <a:ext cx="8724988" cy="1764782"/>
+            <a:off x="490725" y="3933075"/>
+            <a:ext cx="8255613" cy="2488394"/>
           </a:xfrm>
           <a:prstGeom prst="rect">
             <a:avLst/>
@@ -4502,7 +4543,7 @@
           <a:p>
             <a:r>
               <a:rPr lang="en-US" dirty="0" smtClean="0"/>
-              <a:t>Course structure</a:t>
+              <a:t>Grading</a:t>
             </a:r>
             <a:endParaRPr lang="en-US" dirty="0"/>
           </a:p>
@@ -4544,36 +4585,16 @@
           </a:p>
           <a:p>
             <a:r>
-              <a:rPr lang="en-US" dirty="0" smtClean="0"/>
-              <a:t>Exercises</a:t>
-            </a:r>
-            <a:r>
-              <a:rPr lang="en-US" dirty="0"/>
-              <a:t>/Programming </a:t>
-            </a:r>
-            <a:r>
-              <a:rPr lang="en-US" dirty="0" smtClean="0"/>
-              <a:t>projects/Presentations </a:t>
-            </a:r>
-            <a:r>
-              <a:rPr lang="en-US" dirty="0" smtClean="0"/>
-              <a:t>(</a:t>
-            </a:r>
-            <a:r>
-              <a:rPr lang="en-US" dirty="0" smtClean="0"/>
-              <a:t>5</a:t>
-            </a:r>
-            <a:r>
-              <a:rPr lang="en-US" dirty="0" smtClean="0"/>
-              <a:t>0</a:t>
-            </a:r>
-            <a:r>
-              <a:rPr lang="en-US" dirty="0" smtClean="0"/>
-              <a:t>%</a:t>
-            </a:r>
-            <a:r>
-              <a:rPr lang="en-US" dirty="0" smtClean="0"/>
-              <a:t>) </a:t>
+              <a:rPr lang="en-US" dirty="0" err="1" smtClean="0"/>
+              <a:t>Homeworks</a:t>
+            </a:r>
+            <a:r>
+              <a:rPr lang="en-US" dirty="0" smtClean="0"/>
+              <a:t> (30</a:t>
+            </a:r>
+            <a:r>
+              <a:rPr lang="en-US" dirty="0" smtClean="0"/>
+              <a:t>%) </a:t>
             </a:r>
           </a:p>
           <a:p>
@@ -4582,11 +4603,20 @@
           <a:p>
             <a:r>
               <a:rPr lang="en-US" dirty="0" smtClean="0"/>
-              <a:t>Exams (40</a:t>
-            </a:r>
-            <a:r>
-              <a:rPr lang="en-US" dirty="0" smtClean="0"/>
-              <a:t>%</a:t>
+              <a:t>Labs (35%)</a:t>
+            </a:r>
+          </a:p>
+          <a:p>
+            <a:endParaRPr lang="en-US" dirty="0" smtClean="0"/>
+          </a:p>
+          <a:p>
+            <a:r>
+              <a:rPr lang="en-US" dirty="0" smtClean="0"/>
+              <a:t>Exams </a:t>
+            </a:r>
+            <a:r>
+              <a:rPr lang="en-US" dirty="0" smtClean="0"/>
+              <a:t>(25%</a:t>
             </a:r>
             <a:r>
               <a:rPr lang="en-US" dirty="0" smtClean="0"/>
@@ -4666,7 +4696,7 @@
         </p:spPr>
         <p:txBody>
           <a:bodyPr>
-            <a:normAutofit fontScale="92500" lnSpcReduction="10000"/>
+            <a:normAutofit/>
           </a:bodyPr>
           <a:lstStyle/>
           <a:p>
@@ -4692,27 +4722,24 @@
               <a:rPr lang="en-US" dirty="0">
                 <a:hlinkClick r:id="rId2"/>
               </a:rPr>
-              <a:t>http://tristartom.github.io/teaching/17s-cis600</a:t>
+              <a:t>http://tristartom.github.io/teaching/</a:t>
             </a:r>
             <a:r>
               <a:rPr lang="en-US" dirty="0" smtClean="0">
                 <a:hlinkClick r:id="rId2"/>
               </a:rPr>
-              <a:t>/</a:t>
+              <a:t>19f-cis428/</a:t>
             </a:r>
             <a:endParaRPr lang="en-US" dirty="0" smtClean="0"/>
           </a:p>
           <a:p>
-            <a:pPr lvl="2"/>
-            <a:r>
-              <a:rPr lang="en-US" dirty="0" smtClean="0"/>
-              <a:t>Schedule of next week will be fixed every Thursday this week.</a:t>
-            </a:r>
-          </a:p>
-          <a:p>
-            <a:r>
-              <a:rPr lang="en-US" dirty="0" smtClean="0"/>
-              <a:t>During the class</a:t>
+            <a:r>
+              <a:rPr lang="en-US" dirty="0" smtClean="0"/>
+              <a:t>During </a:t>
+            </a:r>
+            <a:r>
+              <a:rPr lang="en-US" dirty="0" smtClean="0"/>
+              <a:t>the class</a:t>
             </a:r>
           </a:p>
           <a:p>
@@ -4723,16 +4750,13 @@
             </a:r>
           </a:p>
           <a:p>
-            <a:pPr lvl="1"/>
-            <a:r>
-              <a:rPr lang="en-US" dirty="0" smtClean="0"/>
-              <a:t>Do exercises </a:t>
-            </a:r>
-          </a:p>
-          <a:p>
-            <a:r>
-              <a:rPr lang="en-US" dirty="0" smtClean="0"/>
-              <a:t>After the class</a:t>
+            <a:r>
+              <a:rPr lang="en-US" smtClean="0"/>
+              <a:t>After </a:t>
+            </a:r>
+            <a:r>
+              <a:rPr lang="en-US" dirty="0" smtClean="0"/>
+              <a:t>the class</a:t>
             </a:r>
           </a:p>
           <a:p>
@@ -4759,7 +4783,7 @@
 </file>
 
 <file path=ppt/slides/slide8.xml><?xml version="1.0" encoding="utf-8"?>
-<p:sld xmlns:a="http://schemas.openxmlformats.org/drawingml/2006/main" xmlns:r="http://schemas.openxmlformats.org/officeDocument/2006/relationships" xmlns:p="http://schemas.openxmlformats.org/presentationml/2006/main">
+<p:sld xmlns:a="http://schemas.openxmlformats.org/drawingml/2006/main" xmlns:r="http://schemas.openxmlformats.org/officeDocument/2006/relationships" xmlns:p="http://schemas.openxmlformats.org/presentationml/2006/main" show="0">
   <p:cSld>
     <p:spTree>
       <p:nvGrpSpPr>
@@ -4947,6 +4971,14 @@
   <p:clrMapOvr>
     <a:masterClrMapping/>
   </p:clrMapOvr>
+  <mc:AlternateContent xmlns:mc="http://schemas.openxmlformats.org/markup-compatibility/2006">
+    <mc:Choice xmlns:p14="http://schemas.microsoft.com/office/powerpoint/2010/main" Requires="p14">
+      <p:transition spd="slow" p14:dur="2000"/>
+    </mc:Choice>
+    <mc:Fallback>
+      <p:transition xmlns:p14="http://schemas.microsoft.com/office/powerpoint/2010/main" spd="slow"/>
+    </mc:Fallback>
+  </mc:AlternateContent>
 </p:sld>
 </file>
 

--- a/teaching/19f-cis428/Class-00.pptx
+++ b/teaching/19f-cis428/Class-00.pptx
@@ -642,6 +642,111 @@
     <p:extLst>
       <p:ext uri="{BB962C8B-B14F-4D97-AF65-F5344CB8AC3E}">
         <p14:creationId xmlns:p14="http://schemas.microsoft.com/office/powerpoint/2010/main" val="3571089777"/>
+      </p:ext>
+    </p:extLst>
+  </p:cSld>
+  <p:clrMapOvr>
+    <a:masterClrMapping/>
+  </p:clrMapOvr>
+</p:notes>
+</file>
+
+<file path=ppt/notesSlides/notesSlide3.xml><?xml version="1.0" encoding="utf-8"?>
+<p:notes xmlns:a="http://schemas.openxmlformats.org/drawingml/2006/main" xmlns:r="http://schemas.openxmlformats.org/officeDocument/2006/relationships" xmlns:p="http://schemas.openxmlformats.org/presentationml/2006/main">
+  <p:cSld>
+    <p:spTree>
+      <p:nvGrpSpPr>
+        <p:cNvPr id="1" name=""/>
+        <p:cNvGrpSpPr/>
+        <p:nvPr/>
+      </p:nvGrpSpPr>
+      <p:grpSpPr>
+        <a:xfrm>
+          <a:off x="0" y="0"/>
+          <a:ext cx="0" cy="0"/>
+          <a:chOff x="0" y="0"/>
+          <a:chExt cx="0" cy="0"/>
+        </a:xfrm>
+      </p:grpSpPr>
+      <p:sp>
+        <p:nvSpPr>
+          <p:cNvPr id="2" name="Slide Image Placeholder 1"/>
+          <p:cNvSpPr>
+            <a:spLocks noGrp="1" noRot="1" noChangeAspect="1"/>
+          </p:cNvSpPr>
+          <p:nvPr>
+            <p:ph type="sldImg"/>
+          </p:nvPr>
+        </p:nvSpPr>
+        <p:spPr/>
+      </p:sp>
+      <p:sp>
+        <p:nvSpPr>
+          <p:cNvPr id="3" name="Notes Placeholder 2"/>
+          <p:cNvSpPr>
+            <a:spLocks noGrp="1"/>
+          </p:cNvSpPr>
+          <p:nvPr>
+            <p:ph type="body" idx="1"/>
+          </p:nvPr>
+        </p:nvSpPr>
+        <p:spPr/>
+        <p:txBody>
+          <a:bodyPr/>
+          <a:lstStyle/>
+          <a:p>
+            <a:pPr lvl="2"/>
+            <a:r>
+              <a:rPr lang="en-US" dirty="0" smtClean="0"/>
+              <a:t>Password, remote user-login, </a:t>
+            </a:r>
+          </a:p>
+          <a:p>
+            <a:pPr lvl="2"/>
+            <a:r>
+              <a:rPr lang="en-US" dirty="0" smtClean="0"/>
+              <a:t>Secure transactions, </a:t>
+            </a:r>
+          </a:p>
+          <a:p>
+            <a:pPr lvl="2"/>
+            <a:r>
+              <a:rPr lang="en-US" dirty="0" smtClean="0"/>
+              <a:t>Encrypted disk </a:t>
+            </a:r>
+          </a:p>
+          <a:p>
+            <a:endParaRPr lang="en-US" dirty="0"/>
+          </a:p>
+        </p:txBody>
+      </p:sp>
+      <p:sp>
+        <p:nvSpPr>
+          <p:cNvPr id="4" name="Slide Number Placeholder 3"/>
+          <p:cNvSpPr>
+            <a:spLocks noGrp="1"/>
+          </p:cNvSpPr>
+          <p:nvPr>
+            <p:ph type="sldNum" sz="quarter" idx="10"/>
+          </p:nvPr>
+        </p:nvSpPr>
+        <p:spPr/>
+        <p:txBody>
+          <a:bodyPr/>
+          <a:lstStyle/>
+          <a:p>
+            <a:fld id="{97D2A63A-9C8C-6E4C-8336-18FB86D51799}" type="slidenum">
+              <a:rPr lang="en-US" smtClean="0"/>
+              <a:t>4</a:t>
+            </a:fld>
+            <a:endParaRPr lang="en-US"/>
+          </a:p>
+        </p:txBody>
+      </p:sp>
+    </p:spTree>
+    <p:extLst>
+      <p:ext uri="{BB962C8B-B14F-4D97-AF65-F5344CB8AC3E}">
+        <p14:creationId xmlns:p14="http://schemas.microsoft.com/office/powerpoint/2010/main" val="1028485869"/>
       </p:ext>
     </p:extLst>
   </p:cSld>
@@ -3992,7 +4097,13 @@
               <a:rPr lang="en-US" dirty="0">
                 <a:hlinkClick r:id="rId4"/>
               </a:rPr>
-              <a:t>http://tristartom.github.io/teaching/17s-cis600/</a:t>
+              <a:t>http://tristartom.github.io/teaching/</a:t>
+            </a:r>
+            <a:r>
+              <a:rPr lang="en-US" dirty="0" smtClean="0">
+                <a:hlinkClick r:id="rId4"/>
+              </a:rPr>
+              <a:t>19f-cis428/</a:t>
             </a:r>
             <a:endParaRPr lang="en-US" dirty="0"/>
           </a:p>
@@ -4245,31 +4356,13 @@
             <a:pPr lvl="1"/>
             <a:r>
               <a:rPr lang="en-US" dirty="0" smtClean="0"/>
-              <a:t>Security applications: </a:t>
-            </a:r>
-          </a:p>
-          <a:p>
-            <a:pPr lvl="2"/>
-            <a:r>
-              <a:rPr lang="en-US" dirty="0" smtClean="0"/>
-              <a:t>Password, remote user-login, </a:t>
-            </a:r>
-            <a:endParaRPr lang="en-US" dirty="0"/>
-          </a:p>
-          <a:p>
-            <a:pPr lvl="2"/>
-            <a:r>
-              <a:rPr lang="en-US" dirty="0" smtClean="0"/>
-              <a:t>Secure transactions, </a:t>
-            </a:r>
-          </a:p>
-          <a:p>
-            <a:pPr lvl="2"/>
-            <a:r>
-              <a:rPr lang="en-US" dirty="0" smtClean="0"/>
-              <a:t>Encrypted disk </a:t>
-            </a:r>
-            <a:endParaRPr lang="en-US" dirty="0"/>
+              <a:t>Security </a:t>
+            </a:r>
+            <a:r>
+              <a:rPr lang="en-US" dirty="0" smtClean="0"/>
+              <a:t>applications </a:t>
+            </a:r>
+            <a:endParaRPr lang="en-US" dirty="0" smtClean="0"/>
           </a:p>
         </p:txBody>
       </p:sp>
@@ -4282,7 +4375,7 @@
           <p:nvPr/>
         </p:nvPicPr>
         <p:blipFill rotWithShape="1">
-          <a:blip r:embed="rId2">
+          <a:blip r:embed="rId3">
             <a:extLst>
               <a:ext uri="{28A0092B-C50C-407E-A947-70E740481C1C}">
                 <a14:useLocalDpi xmlns:a14="http://schemas.microsoft.com/office/drawing/2010/main" val="0"/>
@@ -4311,7 +4404,7 @@
           <p:nvPr/>
         </p:nvPicPr>
         <p:blipFill>
-          <a:blip r:embed="rId3">
+          <a:blip r:embed="rId4">
             <a:extLst>
               <a:ext uri="{28A0092B-C50C-407E-A947-70E740481C1C}">
                 <a14:useLocalDpi xmlns:a14="http://schemas.microsoft.com/office/drawing/2010/main" val="0"/>
@@ -4751,7 +4844,7 @@
           </a:p>
           <a:p>
             <a:r>
-              <a:rPr lang="en-US" smtClean="0"/>
+              <a:rPr lang="en-US" dirty="0" smtClean="0"/>
               <a:t>After </a:t>
             </a:r>
             <a:r>

--- a/teaching/19f-cis428/Class-00.pptx
+++ b/teaching/19f-cis428/Class-00.pptx
@@ -4508,16 +4508,12 @@
           <a:p>
             <a:pPr lvl="1"/>
             <a:r>
-              <a:rPr lang="en-US" dirty="0" smtClean="0"/>
-              <a:t>Basic k</a:t>
-            </a:r>
-            <a:r>
-              <a:rPr lang="en-US" dirty="0" smtClean="0"/>
-              <a:t>nowledge </a:t>
-            </a:r>
-            <a:r>
-              <a:rPr lang="en-US" dirty="0" smtClean="0"/>
-              <a:t>(or interest) in cryptography</a:t>
+              <a:rPr lang="en-US" smtClean="0"/>
+              <a:t>Interest </a:t>
+            </a:r>
+            <a:r>
+              <a:rPr lang="en-US" dirty="0" smtClean="0"/>
+              <a:t>in cryptography</a:t>
             </a:r>
           </a:p>
           <a:p>

--- a/teaching/19f-cis428/Class-00.pptx
+++ b/teaching/19f-cis428/Class-00.pptx
@@ -4356,13 +4356,8 @@
             <a:pPr lvl="1"/>
             <a:r>
               <a:rPr lang="en-US" dirty="0" smtClean="0"/>
-              <a:t>Security </a:t>
-            </a:r>
-            <a:r>
-              <a:rPr lang="en-US" dirty="0" smtClean="0"/>
-              <a:t>applications </a:t>
-            </a:r>
-            <a:endParaRPr lang="en-US" dirty="0" smtClean="0"/>
+              <a:t>Security applications </a:t>
+            </a:r>
           </a:p>
         </p:txBody>
       </p:sp>
@@ -4508,35 +4503,15 @@
           <a:p>
             <a:pPr lvl="1"/>
             <a:r>
-              <a:rPr lang="en-US" smtClean="0"/>
-              <a:t>Interest </a:t>
-            </a:r>
-            <a:r>
-              <a:rPr lang="en-US" dirty="0" smtClean="0"/>
-              <a:t>in cryptography</a:t>
+              <a:rPr lang="en-US" dirty="0" smtClean="0"/>
+              <a:t>Interest in cryptography</a:t>
             </a:r>
           </a:p>
           <a:p>
             <a:pPr lvl="1"/>
             <a:r>
               <a:rPr lang="en-US" dirty="0" smtClean="0"/>
-              <a:t>Basic k</a:t>
-            </a:r>
-            <a:r>
-              <a:rPr lang="en-US" dirty="0" smtClean="0"/>
-              <a:t>nowledge </a:t>
-            </a:r>
-            <a:r>
-              <a:rPr lang="en-US" dirty="0" smtClean="0"/>
-              <a:t>in programming (C/Java), </a:t>
-            </a:r>
-            <a:r>
-              <a:rPr lang="en-US" dirty="0" smtClean="0"/>
-              <a:t>scripting, </a:t>
-            </a:r>
-            <a:r>
-              <a:rPr lang="en-US" dirty="0" smtClean="0"/>
-              <a:t>basic math.</a:t>
+              <a:t>Basic knowledge in programming (C/Java), scripting, basic math.</a:t>
             </a:r>
           </a:p>
           <a:p>
@@ -4679,11 +4654,15 @@
             </a:r>
             <a:r>
               <a:rPr lang="en-US" dirty="0" smtClean="0"/>
-              <a:t> (30</a:t>
-            </a:r>
-            <a:r>
-              <a:rPr lang="en-US" dirty="0" smtClean="0"/>
-              <a:t>%) </a:t>
+              <a:t> </a:t>
+            </a:r>
+            <a:r>
+              <a:rPr lang="en-US" dirty="0" smtClean="0"/>
+              <a:t>(20%</a:t>
+            </a:r>
+            <a:r>
+              <a:rPr lang="en-US" dirty="0" smtClean="0"/>
+              <a:t>) </a:t>
             </a:r>
           </a:p>
           <a:p>
@@ -4705,12 +4684,24 @@
             </a:r>
             <a:r>
               <a:rPr lang="en-US" dirty="0" smtClean="0"/>
-              <a:t>(25%</a:t>
+              <a:t>(35</a:t>
+            </a:r>
+            <a:r>
+              <a:rPr lang="en-US" dirty="0" smtClean="0"/>
+              <a:t>%</a:t>
             </a:r>
             <a:r>
               <a:rPr lang="en-US" dirty="0" smtClean="0"/>
               <a:t>)</a:t>
             </a:r>
+          </a:p>
+          <a:p>
+            <a:pPr lvl="1"/>
+            <a:r>
+              <a:rPr lang="en-US" smtClean="0"/>
+              <a:t>Two exams</a:t>
+            </a:r>
+            <a:endParaRPr lang="en-US" dirty="0" smtClean="0"/>
           </a:p>
         </p:txBody>
       </p:sp>
@@ -4824,11 +4815,7 @@
           <a:p>
             <a:r>
               <a:rPr lang="en-US" dirty="0" smtClean="0"/>
-              <a:t>During </a:t>
-            </a:r>
-            <a:r>
-              <a:rPr lang="en-US" dirty="0" smtClean="0"/>
-              <a:t>the class</a:t>
+              <a:t>During the class</a:t>
             </a:r>
           </a:p>
           <a:p>
@@ -4841,11 +4828,7 @@
           <a:p>
             <a:r>
               <a:rPr lang="en-US" dirty="0" smtClean="0"/>
-              <a:t>After </a:t>
-            </a:r>
-            <a:r>
-              <a:rPr lang="en-US" dirty="0" smtClean="0"/>
-              <a:t>the class</a:t>
+              <a:t>After the class</a:t>
             </a:r>
           </a:p>
           <a:p>

--- a/teaching/19f-cis428/Class-00.pptx
+++ b/teaching/19f-cis428/Class-00.pptx
@@ -5,19 +5,20 @@
     <p:sldMasterId id="2147483648" r:id="rId1"/>
   </p:sldMasterIdLst>
   <p:notesMasterIdLst>
-    <p:notesMasterId r:id="rId12"/>
+    <p:notesMasterId r:id="rId10"/>
   </p:notesMasterIdLst>
+  <p:handoutMasterIdLst>
+    <p:handoutMasterId r:id="rId11"/>
+  </p:handoutMasterIdLst>
   <p:sldIdLst>
-    <p:sldId id="256" r:id="rId2"/>
+    <p:sldId id="267" r:id="rId2"/>
     <p:sldId id="266" r:id="rId3"/>
     <p:sldId id="258" r:id="rId4"/>
     <p:sldId id="260" r:id="rId5"/>
     <p:sldId id="257" r:id="rId6"/>
     <p:sldId id="262" r:id="rId7"/>
     <p:sldId id="263" r:id="rId8"/>
-    <p:sldId id="264" r:id="rId9"/>
-    <p:sldId id="265" r:id="rId10"/>
-    <p:sldId id="261" r:id="rId11"/>
+    <p:sldId id="265" r:id="rId9"/>
   </p:sldIdLst>
   <p:sldSz cx="9144000" cy="6858000" type="screen4x3"/>
   <p:notesSz cx="6858000" cy="9144000"/>
@@ -119,6 +120,172 @@
 </p:presentation>
 </file>
 
+<file path=ppt/handoutMasters/handoutMaster1.xml><?xml version="1.0" encoding="utf-8"?>
+<p:handoutMaster xmlns:a="http://schemas.openxmlformats.org/drawingml/2006/main" xmlns:r="http://schemas.openxmlformats.org/officeDocument/2006/relationships" xmlns:p="http://schemas.openxmlformats.org/presentationml/2006/main">
+  <p:cSld>
+    <p:bg>
+      <p:bgRef idx="1001">
+        <a:schemeClr val="bg1"/>
+      </p:bgRef>
+    </p:bg>
+    <p:spTree>
+      <p:nvGrpSpPr>
+        <p:cNvPr id="1" name=""/>
+        <p:cNvGrpSpPr/>
+        <p:nvPr/>
+      </p:nvGrpSpPr>
+      <p:grpSpPr>
+        <a:xfrm>
+          <a:off x="0" y="0"/>
+          <a:ext cx="0" cy="0"/>
+          <a:chOff x="0" y="0"/>
+          <a:chExt cx="0" cy="0"/>
+        </a:xfrm>
+      </p:grpSpPr>
+      <p:sp>
+        <p:nvSpPr>
+          <p:cNvPr id="2" name="Header Placeholder 1"/>
+          <p:cNvSpPr>
+            <a:spLocks noGrp="1"/>
+          </p:cNvSpPr>
+          <p:nvPr>
+            <p:ph type="hdr" sz="quarter"/>
+          </p:nvPr>
+        </p:nvSpPr>
+        <p:spPr>
+          <a:xfrm>
+            <a:off x="0" y="0"/>
+            <a:ext cx="2971800" cy="457200"/>
+          </a:xfrm>
+          <a:prstGeom prst="rect">
+            <a:avLst/>
+          </a:prstGeom>
+        </p:spPr>
+        <p:txBody>
+          <a:bodyPr vert="horz" lIns="91440" tIns="45720" rIns="91440" bIns="45720" rtlCol="0"/>
+          <a:lstStyle>
+            <a:lvl1pPr algn="l">
+              <a:defRPr sz="1200"/>
+            </a:lvl1pPr>
+          </a:lstStyle>
+          <a:p>
+            <a:endParaRPr lang="en-US"/>
+          </a:p>
+        </p:txBody>
+      </p:sp>
+      <p:sp>
+        <p:nvSpPr>
+          <p:cNvPr id="3" name="Date Placeholder 2"/>
+          <p:cNvSpPr>
+            <a:spLocks noGrp="1"/>
+          </p:cNvSpPr>
+          <p:nvPr>
+            <p:ph type="dt" sz="quarter" idx="1"/>
+          </p:nvPr>
+        </p:nvSpPr>
+        <p:spPr>
+          <a:xfrm>
+            <a:off x="3884613" y="0"/>
+            <a:ext cx="2971800" cy="457200"/>
+          </a:xfrm>
+          <a:prstGeom prst="rect">
+            <a:avLst/>
+          </a:prstGeom>
+        </p:spPr>
+        <p:txBody>
+          <a:bodyPr vert="horz" lIns="91440" tIns="45720" rIns="91440" bIns="45720" rtlCol="0"/>
+          <a:lstStyle>
+            <a:lvl1pPr algn="r">
+              <a:defRPr sz="1200"/>
+            </a:lvl1pPr>
+          </a:lstStyle>
+          <a:p>
+            <a:fld id="{89C98C0D-F3E5-424E-98A7-1F4F80CB8D3D}" type="datetimeFigureOut">
+              <a:rPr lang="en-US" smtClean="0"/>
+              <a:t>8/29/19</a:t>
+            </a:fld>
+            <a:endParaRPr lang="en-US"/>
+          </a:p>
+        </p:txBody>
+      </p:sp>
+      <p:sp>
+        <p:nvSpPr>
+          <p:cNvPr id="4" name="Footer Placeholder 3"/>
+          <p:cNvSpPr>
+            <a:spLocks noGrp="1"/>
+          </p:cNvSpPr>
+          <p:nvPr>
+            <p:ph type="ftr" sz="quarter" idx="2"/>
+          </p:nvPr>
+        </p:nvSpPr>
+        <p:spPr>
+          <a:xfrm>
+            <a:off x="0" y="8685213"/>
+            <a:ext cx="2971800" cy="457200"/>
+          </a:xfrm>
+          <a:prstGeom prst="rect">
+            <a:avLst/>
+          </a:prstGeom>
+        </p:spPr>
+        <p:txBody>
+          <a:bodyPr vert="horz" lIns="91440" tIns="45720" rIns="91440" bIns="45720" rtlCol="0" anchor="b"/>
+          <a:lstStyle>
+            <a:lvl1pPr algn="l">
+              <a:defRPr sz="1200"/>
+            </a:lvl1pPr>
+          </a:lstStyle>
+          <a:p>
+            <a:endParaRPr lang="en-US"/>
+          </a:p>
+        </p:txBody>
+      </p:sp>
+      <p:sp>
+        <p:nvSpPr>
+          <p:cNvPr id="5" name="Slide Number Placeholder 4"/>
+          <p:cNvSpPr>
+            <a:spLocks noGrp="1"/>
+          </p:cNvSpPr>
+          <p:nvPr>
+            <p:ph type="sldNum" sz="quarter" idx="3"/>
+          </p:nvPr>
+        </p:nvSpPr>
+        <p:spPr>
+          <a:xfrm>
+            <a:off x="3884613" y="8685213"/>
+            <a:ext cx="2971800" cy="457200"/>
+          </a:xfrm>
+          <a:prstGeom prst="rect">
+            <a:avLst/>
+          </a:prstGeom>
+        </p:spPr>
+        <p:txBody>
+          <a:bodyPr vert="horz" lIns="91440" tIns="45720" rIns="91440" bIns="45720" rtlCol="0" anchor="b"/>
+          <a:lstStyle>
+            <a:lvl1pPr algn="r">
+              <a:defRPr sz="1200"/>
+            </a:lvl1pPr>
+          </a:lstStyle>
+          <a:p>
+            <a:fld id="{DDAE1E15-5F5D-C246-B196-555281112B9F}" type="slidenum">
+              <a:rPr lang="en-US" smtClean="0"/>
+              <a:t>‹#›</a:t>
+            </a:fld>
+            <a:endParaRPr lang="en-US"/>
+          </a:p>
+        </p:txBody>
+      </p:sp>
+    </p:spTree>
+    <p:extLst>
+      <p:ext uri="{BB962C8B-B14F-4D97-AF65-F5344CB8AC3E}">
+        <p14:creationId xmlns:p14="http://schemas.microsoft.com/office/powerpoint/2010/main" val="1048970926"/>
+      </p:ext>
+    </p:extLst>
+  </p:cSld>
+  <p:clrMap bg1="lt1" tx1="dk1" bg2="lt2" tx2="dk2" accent1="accent1" accent2="accent2" accent3="accent3" accent4="accent4" accent5="accent5" accent6="accent6" hlink="hlink" folHlink="folHlink"/>
+  <p:hf hdr="0" ftr="0" dt="0"/>
+</p:handoutMaster>
+</file>
+
 <file path=ppt/notesMasters/notesMaster1.xml><?xml version="1.0" encoding="utf-8"?>
 <p:notesMaster xmlns:a="http://schemas.openxmlformats.org/drawingml/2006/main" xmlns:r="http://schemas.openxmlformats.org/officeDocument/2006/relationships" xmlns:p="http://schemas.openxmlformats.org/presentationml/2006/main">
   <p:cSld>
@@ -201,7 +368,7 @@
           <a:p>
             <a:fld id="{24EF0FC3-3292-EF48-8F99-2204AA13DA94}" type="datetimeFigureOut">
               <a:rPr lang="en-US" smtClean="0"/>
-              <a:t>8/27/19</a:t>
+              <a:t>8/29/19</a:t>
             </a:fld>
             <a:endParaRPr lang="en-US"/>
           </a:p>
@@ -374,6 +541,7 @@
     </p:extLst>
   </p:cSld>
   <p:clrMap bg1="lt1" tx1="dk1" bg2="lt2" tx2="dk2" accent1="accent1" accent2="accent2" accent3="accent3" accent4="accent4" accent5="accent5" accent6="accent6" hlink="hlink" folHlink="folHlink"/>
+  <p:hf hdr="0" ftr="0" dt="0"/>
   <p:notesStyle>
     <a:lvl1pPr marL="0" algn="l" defTabSz="457200" rtl="0" eaLnBrk="1" latinLnBrk="0" hangingPunct="1">
       <a:defRPr sz="1200" kern="1200">
@@ -935,9 +1103,9 @@
           <a:bodyPr/>
           <a:lstStyle/>
           <a:p>
-            <a:fld id="{DBD910C3-9920-9248-B559-EA127E9C317E}" type="datetimeFigureOut">
-              <a:rPr lang="en-US" smtClean="0"/>
-              <a:t>8/27/19</a:t>
+            <a:fld id="{A1AE8CC0-5D1E-6640-889C-E5A3CC34972F}" type="datetime1">
+              <a:rPr lang="en-US" smtClean="0"/>
+              <a:t>8/29/19</a:t>
             </a:fld>
             <a:endParaRPr lang="en-US"/>
           </a:p>
@@ -958,6 +1126,10 @@
           <a:bodyPr/>
           <a:lstStyle/>
           <a:p>
+            <a:r>
+              <a:rPr lang="en-US" smtClean="0"/>
+              <a:t>CIS428/CIS628 Introduction to Cryptography</a:t>
+            </a:r>
             <a:endParaRPr lang="en-US"/>
           </a:p>
         </p:txBody>
@@ -1105,9 +1277,9 @@
           <a:bodyPr/>
           <a:lstStyle/>
           <a:p>
-            <a:fld id="{DBD910C3-9920-9248-B559-EA127E9C317E}" type="datetimeFigureOut">
-              <a:rPr lang="en-US" smtClean="0"/>
-              <a:t>8/27/19</a:t>
+            <a:fld id="{2BF6FFDD-A5BE-FA4B-89B1-F2A9CE855917}" type="datetime1">
+              <a:rPr lang="en-US" smtClean="0"/>
+              <a:t>8/29/19</a:t>
             </a:fld>
             <a:endParaRPr lang="en-US"/>
           </a:p>
@@ -1128,6 +1300,10 @@
           <a:bodyPr/>
           <a:lstStyle/>
           <a:p>
+            <a:r>
+              <a:rPr lang="en-US" smtClean="0"/>
+              <a:t>CIS428/CIS628 Introduction to Cryptography</a:t>
+            </a:r>
             <a:endParaRPr lang="en-US"/>
           </a:p>
         </p:txBody>
@@ -1285,9 +1461,9 @@
           <a:bodyPr/>
           <a:lstStyle/>
           <a:p>
-            <a:fld id="{DBD910C3-9920-9248-B559-EA127E9C317E}" type="datetimeFigureOut">
-              <a:rPr lang="en-US" smtClean="0"/>
-              <a:t>8/27/19</a:t>
+            <a:fld id="{C642210A-F64E-CC41-A3BD-23A349BCD950}" type="datetime1">
+              <a:rPr lang="en-US" smtClean="0"/>
+              <a:t>8/29/19</a:t>
             </a:fld>
             <a:endParaRPr lang="en-US"/>
           </a:p>
@@ -1308,6 +1484,10 @@
           <a:bodyPr/>
           <a:lstStyle/>
           <a:p>
+            <a:r>
+              <a:rPr lang="en-US" smtClean="0"/>
+              <a:t>CIS428/CIS628 Introduction to Cryptography</a:t>
+            </a:r>
             <a:endParaRPr lang="en-US"/>
           </a:p>
         </p:txBody>
@@ -1455,9 +1635,9 @@
           <a:bodyPr/>
           <a:lstStyle/>
           <a:p>
-            <a:fld id="{DBD910C3-9920-9248-B559-EA127E9C317E}" type="datetimeFigureOut">
-              <a:rPr lang="en-US" smtClean="0"/>
-              <a:t>8/27/19</a:t>
+            <a:fld id="{D262784A-5256-CE44-BB45-0F1A8DD9D7F6}" type="datetime1">
+              <a:rPr lang="en-US" smtClean="0"/>
+              <a:t>8/29/19</a:t>
             </a:fld>
             <a:endParaRPr lang="en-US"/>
           </a:p>
@@ -1478,6 +1658,10 @@
           <a:bodyPr/>
           <a:lstStyle/>
           <a:p>
+            <a:r>
+              <a:rPr lang="en-US" smtClean="0"/>
+              <a:t>CIS428/CIS628 Introduction to Cryptography</a:t>
+            </a:r>
             <a:endParaRPr lang="en-US"/>
           </a:p>
         </p:txBody>
@@ -1701,9 +1885,9 @@
           <a:bodyPr/>
           <a:lstStyle/>
           <a:p>
-            <a:fld id="{DBD910C3-9920-9248-B559-EA127E9C317E}" type="datetimeFigureOut">
-              <a:rPr lang="en-US" smtClean="0"/>
-              <a:t>8/27/19</a:t>
+            <a:fld id="{BFEFF07D-7B40-BA4F-8A58-1A60B85705DC}" type="datetime1">
+              <a:rPr lang="en-US" smtClean="0"/>
+              <a:t>8/29/19</a:t>
             </a:fld>
             <a:endParaRPr lang="en-US"/>
           </a:p>
@@ -1724,6 +1908,10 @@
           <a:bodyPr/>
           <a:lstStyle/>
           <a:p>
+            <a:r>
+              <a:rPr lang="en-US" smtClean="0"/>
+              <a:t>CIS428/CIS628 Introduction to Cryptography</a:t>
+            </a:r>
             <a:endParaRPr lang="en-US"/>
           </a:p>
         </p:txBody>
@@ -1989,9 +2177,9 @@
           <a:bodyPr/>
           <a:lstStyle/>
           <a:p>
-            <a:fld id="{DBD910C3-9920-9248-B559-EA127E9C317E}" type="datetimeFigureOut">
-              <a:rPr lang="en-US" smtClean="0"/>
-              <a:t>8/27/19</a:t>
+            <a:fld id="{FE6FA455-7923-7D4C-98C9-298DAA869F9D}" type="datetime1">
+              <a:rPr lang="en-US" smtClean="0"/>
+              <a:t>8/29/19</a:t>
             </a:fld>
             <a:endParaRPr lang="en-US"/>
           </a:p>
@@ -2012,6 +2200,10 @@
           <a:bodyPr/>
           <a:lstStyle/>
           <a:p>
+            <a:r>
+              <a:rPr lang="en-US" smtClean="0"/>
+              <a:t>CIS428/CIS628 Introduction to Cryptography</a:t>
+            </a:r>
             <a:endParaRPr lang="en-US"/>
           </a:p>
         </p:txBody>
@@ -2411,9 +2603,9 @@
           <a:bodyPr/>
           <a:lstStyle/>
           <a:p>
-            <a:fld id="{DBD910C3-9920-9248-B559-EA127E9C317E}" type="datetimeFigureOut">
-              <a:rPr lang="en-US" smtClean="0"/>
-              <a:t>8/27/19</a:t>
+            <a:fld id="{20F1298A-42B0-044F-B05A-92CD802B762A}" type="datetime1">
+              <a:rPr lang="en-US" smtClean="0"/>
+              <a:t>8/29/19</a:t>
             </a:fld>
             <a:endParaRPr lang="en-US"/>
           </a:p>
@@ -2434,6 +2626,10 @@
           <a:bodyPr/>
           <a:lstStyle/>
           <a:p>
+            <a:r>
+              <a:rPr lang="en-US" smtClean="0"/>
+              <a:t>CIS428/CIS628 Introduction to Cryptography</a:t>
+            </a:r>
             <a:endParaRPr lang="en-US"/>
           </a:p>
         </p:txBody>
@@ -2529,9 +2725,9 @@
           <a:bodyPr/>
           <a:lstStyle/>
           <a:p>
-            <a:fld id="{DBD910C3-9920-9248-B559-EA127E9C317E}" type="datetimeFigureOut">
-              <a:rPr lang="en-US" smtClean="0"/>
-              <a:t>8/27/19</a:t>
+            <a:fld id="{9ADD21A8-36B6-A046-8584-A6C79C674EB5}" type="datetime1">
+              <a:rPr lang="en-US" smtClean="0"/>
+              <a:t>8/29/19</a:t>
             </a:fld>
             <a:endParaRPr lang="en-US"/>
           </a:p>
@@ -2552,6 +2748,10 @@
           <a:bodyPr/>
           <a:lstStyle/>
           <a:p>
+            <a:r>
+              <a:rPr lang="en-US" smtClean="0"/>
+              <a:t>CIS428/CIS628 Introduction to Cryptography</a:t>
+            </a:r>
             <a:endParaRPr lang="en-US"/>
           </a:p>
         </p:txBody>
@@ -2624,9 +2824,9 @@
           <a:bodyPr/>
           <a:lstStyle/>
           <a:p>
-            <a:fld id="{DBD910C3-9920-9248-B559-EA127E9C317E}" type="datetimeFigureOut">
-              <a:rPr lang="en-US" smtClean="0"/>
-              <a:t>8/27/19</a:t>
+            <a:fld id="{737E48CC-C862-2441-9B82-6B3B07A3837E}" type="datetime1">
+              <a:rPr lang="en-US" smtClean="0"/>
+              <a:t>8/29/19</a:t>
             </a:fld>
             <a:endParaRPr lang="en-US"/>
           </a:p>
@@ -2647,6 +2847,10 @@
           <a:bodyPr/>
           <a:lstStyle/>
           <a:p>
+            <a:r>
+              <a:rPr lang="en-US" smtClean="0"/>
+              <a:t>CIS428/CIS628 Introduction to Cryptography</a:t>
+            </a:r>
             <a:endParaRPr lang="en-US"/>
           </a:p>
         </p:txBody>
@@ -2901,9 +3105,9 @@
           <a:bodyPr/>
           <a:lstStyle/>
           <a:p>
-            <a:fld id="{DBD910C3-9920-9248-B559-EA127E9C317E}" type="datetimeFigureOut">
-              <a:rPr lang="en-US" smtClean="0"/>
-              <a:t>8/27/19</a:t>
+            <a:fld id="{EA9256A7-14F5-1643-B5D9-EC2AC59D0EC7}" type="datetime1">
+              <a:rPr lang="en-US" smtClean="0"/>
+              <a:t>8/29/19</a:t>
             </a:fld>
             <a:endParaRPr lang="en-US"/>
           </a:p>
@@ -2924,6 +3128,10 @@
           <a:bodyPr/>
           <a:lstStyle/>
           <a:p>
+            <a:r>
+              <a:rPr lang="en-US" smtClean="0"/>
+              <a:t>CIS428/CIS628 Introduction to Cryptography</a:t>
+            </a:r>
             <a:endParaRPr lang="en-US"/>
           </a:p>
         </p:txBody>
@@ -3154,9 +3362,9 @@
           <a:bodyPr/>
           <a:lstStyle/>
           <a:p>
-            <a:fld id="{DBD910C3-9920-9248-B559-EA127E9C317E}" type="datetimeFigureOut">
-              <a:rPr lang="en-US" smtClean="0"/>
-              <a:t>8/27/19</a:t>
+            <a:fld id="{5E1022C5-A768-184A-BF19-45669D0EBC92}" type="datetime1">
+              <a:rPr lang="en-US" smtClean="0"/>
+              <a:t>8/29/19</a:t>
             </a:fld>
             <a:endParaRPr lang="en-US"/>
           </a:p>
@@ -3177,6 +3385,10 @@
           <a:bodyPr/>
           <a:lstStyle/>
           <a:p>
+            <a:r>
+              <a:rPr lang="en-US" smtClean="0"/>
+              <a:t>CIS428/CIS628 Introduction to Cryptography</a:t>
+            </a:r>
             <a:endParaRPr lang="en-US"/>
           </a:p>
         </p:txBody>
@@ -3367,9 +3579,9 @@
             </a:lvl1pPr>
           </a:lstStyle>
           <a:p>
-            <a:fld id="{DBD910C3-9920-9248-B559-EA127E9C317E}" type="datetimeFigureOut">
-              <a:rPr lang="en-US" smtClean="0"/>
-              <a:t>8/27/19</a:t>
+            <a:fld id="{A2DF632B-ECE1-6445-8F79-CCC00BEAD67A}" type="datetime1">
+              <a:rPr lang="en-US" smtClean="0"/>
+              <a:t>8/29/19</a:t>
             </a:fld>
             <a:endParaRPr lang="en-US"/>
           </a:p>
@@ -3408,6 +3620,10 @@
             </a:lvl1pPr>
           </a:lstStyle>
           <a:p>
+            <a:r>
+              <a:rPr lang="en-US" smtClean="0"/>
+              <a:t>CIS428/CIS628 Introduction to Cryptography</a:t>
+            </a:r>
             <a:endParaRPr lang="en-US"/>
           </a:p>
         </p:txBody>
@@ -3474,6 +3690,7 @@
     <p:sldLayoutId id="2147483658" r:id="rId10"/>
     <p:sldLayoutId id="2147483659" r:id="rId11"/>
   </p:sldLayoutIdLst>
+  <p:hf sldNum="0" hdr="0" dt="0"/>
   <p:txStyles>
     <p:titleStyle>
       <a:lvl1pPr algn="ctr" defTabSz="457200" rtl="0" eaLnBrk="1" latinLnBrk="0" hangingPunct="1">
@@ -3754,220 +3971,149 @@
             <p:ph type="ctrTitle"/>
           </p:nvPr>
         </p:nvSpPr>
-        <p:spPr/>
-        <p:txBody>
-          <a:bodyPr/>
-          <a:lstStyle/>
-          <a:p>
-            <a:r>
-              <a:rPr lang="en-US" dirty="0" smtClean="0"/>
+        <p:spPr>
+          <a:xfrm>
+            <a:off x="685800" y="1936374"/>
+            <a:ext cx="7772400" cy="1470025"/>
+          </a:xfrm>
+        </p:spPr>
+        <p:txBody>
+          <a:bodyPr>
+            <a:noAutofit/>
+          </a:bodyPr>
+          <a:lstStyle/>
+          <a:p>
+            <a:r>
+              <a:rPr lang="en-US" sz="4800" dirty="0" smtClean="0"/>
+              <a:t>Lecture 1: Course Introduction</a:t>
+            </a:r>
+            <a:endParaRPr lang="en-US" sz="4800" dirty="0"/>
+          </a:p>
+        </p:txBody>
+      </p:sp>
+      <p:sp>
+        <p:nvSpPr>
+          <p:cNvPr id="3" name="Subtitle 2"/>
+          <p:cNvSpPr>
+            <a:spLocks noGrp="1"/>
+          </p:cNvSpPr>
+          <p:nvPr>
+            <p:ph type="subTitle" idx="1"/>
+          </p:nvPr>
+        </p:nvSpPr>
+        <p:spPr>
+          <a:xfrm>
+            <a:off x="493913" y="3886200"/>
+            <a:ext cx="8314793" cy="2394052"/>
+          </a:xfrm>
+        </p:spPr>
+        <p:txBody>
+          <a:bodyPr>
+            <a:normAutofit/>
+          </a:bodyPr>
+          <a:lstStyle/>
+          <a:p>
+            <a:r>
+              <a:rPr lang="en-US" sz="4000" b="1" i="1" dirty="0" smtClean="0">
+                <a:solidFill>
+                  <a:schemeClr val="tx1">
+                    <a:lumMod val="50000"/>
+                    <a:lumOff val="50000"/>
+                  </a:schemeClr>
+                </a:solidFill>
+              </a:rPr>
+              <a:t>Dr. Yuzhe (Richard) Tang</a:t>
+            </a:r>
+          </a:p>
+          <a:p>
+            <a:r>
+              <a:rPr lang="en-US" i="1" dirty="0" smtClean="0">
+                <a:solidFill>
+                  <a:schemeClr val="tx1">
+                    <a:lumMod val="50000"/>
+                    <a:lumOff val="50000"/>
+                  </a:schemeClr>
+                </a:solidFill>
+              </a:rPr>
+              <a:t>Department of EECS, </a:t>
+            </a:r>
+          </a:p>
+          <a:p>
+            <a:r>
+              <a:rPr lang="en-US" i="1" dirty="0" smtClean="0">
+                <a:solidFill>
+                  <a:schemeClr val="tx1">
+                    <a:lumMod val="50000"/>
+                    <a:lumOff val="50000"/>
+                  </a:schemeClr>
+                </a:solidFill>
+              </a:rPr>
+              <a:t>Syracuse University</a:t>
+            </a:r>
+          </a:p>
+        </p:txBody>
+      </p:sp>
+      <p:pic>
+        <p:nvPicPr>
+          <p:cNvPr id="4" name="Shape 39"/>
+          <p:cNvPicPr preferRelativeResize="0"/>
+          <p:nvPr/>
+        </p:nvPicPr>
+        <p:blipFill>
+          <a:blip r:embed="rId2">
+            <a:alphaModFix/>
+          </a:blip>
+          <a:stretch>
+            <a:fillRect/>
+          </a:stretch>
+        </p:blipFill>
+        <p:spPr>
+          <a:xfrm>
+            <a:off x="7009402" y="4753315"/>
+            <a:ext cx="2072613" cy="2054055"/>
+          </a:xfrm>
+          <a:prstGeom prst="rect">
+            <a:avLst/>
+          </a:prstGeom>
+          <a:noFill/>
+          <a:ln>
+            <a:noFill/>
+          </a:ln>
+        </p:spPr>
+      </p:pic>
+      <p:sp>
+        <p:nvSpPr>
+          <p:cNvPr id="5" name="Footer Placeholder 4"/>
+          <p:cNvSpPr>
+            <a:spLocks noGrp="1"/>
+          </p:cNvSpPr>
+          <p:nvPr>
+            <p:ph type="ftr" sz="quarter" idx="11"/>
+          </p:nvPr>
+        </p:nvSpPr>
+        <p:spPr/>
+        <p:txBody>
+          <a:bodyPr/>
+          <a:lstStyle/>
+          <a:p>
+            <a:r>
+              <a:rPr lang="en-US" smtClean="0"/>
               <a:t>CIS428/CIS628 Introduction to Cryptography</a:t>
             </a:r>
-            <a:endParaRPr lang="en-US" dirty="0"/>
-          </a:p>
-        </p:txBody>
-      </p:sp>
-      <p:sp>
-        <p:nvSpPr>
-          <p:cNvPr id="3" name="Subtitle 2"/>
-          <p:cNvSpPr>
-            <a:spLocks noGrp="1"/>
-          </p:cNvSpPr>
-          <p:nvPr>
-            <p:ph type="subTitle" idx="1"/>
-          </p:nvPr>
-        </p:nvSpPr>
-        <p:spPr/>
-        <p:txBody>
-          <a:bodyPr/>
-          <a:lstStyle/>
-          <a:p>
-            <a:r>
-              <a:rPr lang="en-US" dirty="0" smtClean="0"/>
-              <a:t>Dr. Yuzhe Richard Tang</a:t>
-            </a:r>
-          </a:p>
-          <a:p>
-            <a:r>
-              <a:rPr lang="en-US" dirty="0" smtClean="0"/>
-              <a:t>Department of EECS</a:t>
-            </a:r>
-            <a:endParaRPr lang="en-US" dirty="0"/>
+            <a:endParaRPr lang="en-US"/>
           </a:p>
         </p:txBody>
       </p:sp>
     </p:spTree>
     <p:extLst>
       <p:ext uri="{BB962C8B-B14F-4D97-AF65-F5344CB8AC3E}">
-        <p14:creationId xmlns:p14="http://schemas.microsoft.com/office/powerpoint/2010/main" val="4215516424"/>
+        <p14:creationId xmlns:p14="http://schemas.microsoft.com/office/powerpoint/2010/main" val="2746447067"/>
       </p:ext>
     </p:extLst>
   </p:cSld>
   <p:clrMapOvr>
     <a:masterClrMapping/>
   </p:clrMapOvr>
-</p:sld>
-</file>
-
-<file path=ppt/slides/slide10.xml><?xml version="1.0" encoding="utf-8"?>
-<p:sld xmlns:a="http://schemas.openxmlformats.org/drawingml/2006/main" xmlns:r="http://schemas.openxmlformats.org/officeDocument/2006/relationships" xmlns:p="http://schemas.openxmlformats.org/presentationml/2006/main" show="0">
-  <p:cSld>
-    <p:spTree>
-      <p:nvGrpSpPr>
-        <p:cNvPr id="1" name=""/>
-        <p:cNvGrpSpPr/>
-        <p:nvPr/>
-      </p:nvGrpSpPr>
-      <p:grpSpPr>
-        <a:xfrm>
-          <a:off x="0" y="0"/>
-          <a:ext cx="0" cy="0"/>
-          <a:chOff x="0" y="0"/>
-          <a:chExt cx="0" cy="0"/>
-        </a:xfrm>
-      </p:grpSpPr>
-      <p:sp>
-        <p:nvSpPr>
-          <p:cNvPr id="2" name="Title 1"/>
-          <p:cNvSpPr>
-            <a:spLocks noGrp="1"/>
-          </p:cNvSpPr>
-          <p:nvPr>
-            <p:ph type="title"/>
-          </p:nvPr>
-        </p:nvSpPr>
-        <p:spPr/>
-        <p:txBody>
-          <a:bodyPr/>
-          <a:lstStyle/>
-          <a:p>
-            <a:r>
-              <a:rPr lang="en-US" dirty="0" smtClean="0"/>
-              <a:t>Survey</a:t>
-            </a:r>
-            <a:endParaRPr lang="en-US" dirty="0"/>
-          </a:p>
-        </p:txBody>
-      </p:sp>
-      <p:sp>
-        <p:nvSpPr>
-          <p:cNvPr id="3" name="Content Placeholder 2"/>
-          <p:cNvSpPr>
-            <a:spLocks noGrp="1"/>
-          </p:cNvSpPr>
-          <p:nvPr>
-            <p:ph idx="1"/>
-          </p:nvPr>
-        </p:nvSpPr>
-        <p:spPr/>
-        <p:txBody>
-          <a:bodyPr>
-            <a:normAutofit fontScale="92500" lnSpcReduction="10000"/>
-          </a:bodyPr>
-          <a:lstStyle/>
-          <a:p>
-            <a:r>
-              <a:rPr lang="en-US" dirty="0" smtClean="0"/>
-              <a:t>Name, Program, Discipline, etc.</a:t>
-            </a:r>
-          </a:p>
-          <a:p>
-            <a:r>
-              <a:rPr lang="en-US" dirty="0" smtClean="0"/>
-              <a:t>What </a:t>
-            </a:r>
-            <a:r>
-              <a:rPr lang="en-US" dirty="0"/>
-              <a:t>you want to learn from the </a:t>
-            </a:r>
-            <a:r>
-              <a:rPr lang="en-US" dirty="0" smtClean="0"/>
-              <a:t>course</a:t>
-            </a:r>
-          </a:p>
-          <a:p>
-            <a:pPr lvl="1"/>
-            <a:r>
-              <a:rPr lang="en-US" dirty="0" smtClean="0"/>
-              <a:t>More on security application or formal treatment</a:t>
-            </a:r>
-            <a:endParaRPr lang="en-US" dirty="0"/>
-          </a:p>
-          <a:p>
-            <a:r>
-              <a:rPr lang="en-US" dirty="0" smtClean="0"/>
-              <a:t>Your current expertise on cryptography</a:t>
-            </a:r>
-          </a:p>
-          <a:p>
-            <a:pPr lvl="1"/>
-            <a:r>
-              <a:rPr lang="en-US" dirty="0" smtClean="0"/>
-              <a:t>Understanding on semantic security, RSA, AES, CR-Hash, </a:t>
-            </a:r>
-            <a:r>
-              <a:rPr lang="en-US" dirty="0" err="1" smtClean="0"/>
-              <a:t>etc</a:t>
-            </a:r>
-            <a:r>
-              <a:rPr lang="en-US" dirty="0" smtClean="0"/>
-              <a:t>?</a:t>
-            </a:r>
-          </a:p>
-          <a:p>
-            <a:pPr lvl="1"/>
-            <a:r>
-              <a:rPr lang="en-US" dirty="0" smtClean="0"/>
-              <a:t>What crypto library used before?</a:t>
-            </a:r>
-          </a:p>
-          <a:p>
-            <a:pPr lvl="1"/>
-            <a:endParaRPr lang="en-US" dirty="0"/>
-          </a:p>
-          <a:p>
-            <a:r>
-              <a:rPr lang="en-US" dirty="0" smtClean="0"/>
-              <a:t>Send me (</a:t>
-            </a:r>
-            <a:r>
-              <a:rPr lang="en-US" dirty="0" smtClean="0">
-                <a:hlinkClick r:id="rId2"/>
-              </a:rPr>
-              <a:t>ytang100@syr.edu</a:t>
-            </a:r>
-            <a:r>
-              <a:rPr lang="en-US" dirty="0" smtClean="0"/>
-              <a:t>) an email about this after the class. Thanks!</a:t>
-            </a:r>
-          </a:p>
-          <a:p>
-            <a:pPr lvl="1"/>
-            <a:endParaRPr lang="en-US" dirty="0" smtClean="0"/>
-          </a:p>
-          <a:p>
-            <a:endParaRPr lang="en-US" dirty="0"/>
-          </a:p>
-        </p:txBody>
-      </p:sp>
-    </p:spTree>
-    <p:extLst>
-      <p:ext uri="{BB962C8B-B14F-4D97-AF65-F5344CB8AC3E}">
-        <p14:creationId xmlns:p14="http://schemas.microsoft.com/office/powerpoint/2010/main" val="679089292"/>
-      </p:ext>
-    </p:extLst>
-  </p:cSld>
-  <p:clrMapOvr>
-    <a:masterClrMapping/>
-  </p:clrMapOvr>
-  <mc:AlternateContent xmlns:mc="http://schemas.openxmlformats.org/markup-compatibility/2006">
-    <mc:Choice xmlns:p14="http://schemas.microsoft.com/office/powerpoint/2010/main" Requires="p14">
-      <p:transition spd="slow" p14:dur="2000"/>
-    </mc:Choice>
-    <mc:Fallback>
-      <p:transition xmlns:p14="http://schemas.microsoft.com/office/powerpoint/2010/main" spd="slow"/>
-    </mc:Fallback>
-  </mc:AlternateContent>
 </p:sld>
 </file>
 
@@ -4119,25 +4265,24 @@
       </p:sp>
       <p:sp>
         <p:nvSpPr>
-          <p:cNvPr id="4" name="Slide Number Placeholder 3"/>
-          <p:cNvSpPr>
-            <a:spLocks noGrp="1"/>
-          </p:cNvSpPr>
-          <p:nvPr>
-            <p:ph type="sldNum" sz="quarter" idx="12"/>
-          </p:nvPr>
-        </p:nvSpPr>
-        <p:spPr/>
-        <p:txBody>
-          <a:bodyPr/>
-          <a:lstStyle/>
-          <a:p>
-            <a:fld id="{B6F15528-21DE-4FAA-801E-634DDDAF4B2B}" type="slidenum">
-              <a:rPr lang="en-US" smtClean="0"/>
-              <a:pPr/>
-              <a:t>2</a:t>
-            </a:fld>
-            <a:endParaRPr lang="en-US" dirty="0"/>
+          <p:cNvPr id="5" name="Footer Placeholder 4"/>
+          <p:cNvSpPr>
+            <a:spLocks noGrp="1"/>
+          </p:cNvSpPr>
+          <p:nvPr>
+            <p:ph type="ftr" sz="quarter" idx="11"/>
+          </p:nvPr>
+        </p:nvSpPr>
+        <p:spPr/>
+        <p:txBody>
+          <a:bodyPr/>
+          <a:lstStyle/>
+          <a:p>
+            <a:r>
+              <a:rPr lang="en-US" smtClean="0"/>
+              <a:t>CIS428/CIS628 Introduction to Cryptography</a:t>
+            </a:r>
+            <a:endParaRPr lang="en-US"/>
           </a:p>
         </p:txBody>
       </p:sp>
@@ -4257,6 +4402,29 @@
           </a:p>
           <a:p>
             <a:endParaRPr lang="en-US" dirty="0" smtClean="0"/>
+          </a:p>
+        </p:txBody>
+      </p:sp>
+      <p:sp>
+        <p:nvSpPr>
+          <p:cNvPr id="4" name="Footer Placeholder 3"/>
+          <p:cNvSpPr>
+            <a:spLocks noGrp="1"/>
+          </p:cNvSpPr>
+          <p:nvPr>
+            <p:ph type="ftr" sz="quarter" idx="11"/>
+          </p:nvPr>
+        </p:nvSpPr>
+        <p:spPr/>
+        <p:txBody>
+          <a:bodyPr/>
+          <a:lstStyle/>
+          <a:p>
+            <a:r>
+              <a:rPr lang="en-US" smtClean="0"/>
+              <a:t>CIS428/CIS628 Introduction to Cryptography</a:t>
+            </a:r>
+            <a:endParaRPr lang="en-US"/>
           </a:p>
         </p:txBody>
       </p:sp>
@@ -4420,6 +4588,29 @@
           </a:prstGeom>
         </p:spPr>
       </p:pic>
+      <p:sp>
+        <p:nvSpPr>
+          <p:cNvPr id="5" name="Footer Placeholder 4"/>
+          <p:cNvSpPr>
+            <a:spLocks noGrp="1"/>
+          </p:cNvSpPr>
+          <p:nvPr>
+            <p:ph type="ftr" sz="quarter" idx="11"/>
+          </p:nvPr>
+        </p:nvSpPr>
+        <p:spPr/>
+        <p:txBody>
+          <a:bodyPr/>
+          <a:lstStyle/>
+          <a:p>
+            <a:r>
+              <a:rPr lang="en-US" smtClean="0"/>
+              <a:t>CIS428/CIS628 Introduction to Cryptography</a:t>
+            </a:r>
+            <a:endParaRPr lang="en-US"/>
+          </a:p>
+        </p:txBody>
+      </p:sp>
     </p:spTree>
     <p:extLst>
       <p:ext uri="{BB962C8B-B14F-4D97-AF65-F5344CB8AC3E}">
@@ -4558,6 +4749,29 @@
           </a:prstGeom>
         </p:spPr>
       </p:pic>
+      <p:sp>
+        <p:nvSpPr>
+          <p:cNvPr id="4" name="Footer Placeholder 3"/>
+          <p:cNvSpPr>
+            <a:spLocks noGrp="1"/>
+          </p:cNvSpPr>
+          <p:nvPr>
+            <p:ph type="ftr" sz="quarter" idx="11"/>
+          </p:nvPr>
+        </p:nvSpPr>
+        <p:spPr/>
+        <p:txBody>
+          <a:bodyPr/>
+          <a:lstStyle/>
+          <a:p>
+            <a:r>
+              <a:rPr lang="en-US" smtClean="0"/>
+              <a:t>CIS428/CIS628 Introduction to Cryptography</a:t>
+            </a:r>
+            <a:endParaRPr lang="en-US"/>
+          </a:p>
+        </p:txBody>
+      </p:sp>
     </p:spTree>
     <p:extLst>
       <p:ext uri="{BB962C8B-B14F-4D97-AF65-F5344CB8AC3E}">
@@ -4654,15 +4868,7 @@
             </a:r>
             <a:r>
               <a:rPr lang="en-US" dirty="0" smtClean="0"/>
-              <a:t> </a:t>
-            </a:r>
-            <a:r>
-              <a:rPr lang="en-US" dirty="0" smtClean="0"/>
-              <a:t>(20%</a:t>
-            </a:r>
-            <a:r>
-              <a:rPr lang="en-US" dirty="0" smtClean="0"/>
-              <a:t>) </a:t>
+              <a:t> (20%) </a:t>
             </a:r>
           </a:p>
           <a:p>
@@ -4680,19 +4886,7 @@
           <a:p>
             <a:r>
               <a:rPr lang="en-US" dirty="0" smtClean="0"/>
-              <a:t>Exams </a:t>
-            </a:r>
-            <a:r>
-              <a:rPr lang="en-US" dirty="0" smtClean="0"/>
-              <a:t>(35</a:t>
-            </a:r>
-            <a:r>
-              <a:rPr lang="en-US" dirty="0" smtClean="0"/>
-              <a:t>%</a:t>
-            </a:r>
-            <a:r>
-              <a:rPr lang="en-US" dirty="0" smtClean="0"/>
-              <a:t>)</a:t>
+              <a:t>Exams (35%)</a:t>
             </a:r>
           </a:p>
           <a:p>
@@ -4702,6 +4896,29 @@
               <a:t>Two exams</a:t>
             </a:r>
             <a:endParaRPr lang="en-US" dirty="0" smtClean="0"/>
+          </a:p>
+        </p:txBody>
+      </p:sp>
+      <p:sp>
+        <p:nvSpPr>
+          <p:cNvPr id="4" name="Footer Placeholder 3"/>
+          <p:cNvSpPr>
+            <a:spLocks noGrp="1"/>
+          </p:cNvSpPr>
+          <p:nvPr>
+            <p:ph type="ftr" sz="quarter" idx="11"/>
+          </p:nvPr>
+        </p:nvSpPr>
+        <p:spPr/>
+        <p:txBody>
+          <a:bodyPr/>
+          <a:lstStyle/>
+          <a:p>
+            <a:r>
+              <a:rPr lang="en-US" smtClean="0"/>
+              <a:t>CIS428/CIS628 Introduction to Cryptography</a:t>
+            </a:r>
+            <a:endParaRPr lang="en-US"/>
           </a:p>
         </p:txBody>
       </p:sp>
@@ -4841,6 +5058,29 @@
           </a:p>
         </p:txBody>
       </p:sp>
+      <p:sp>
+        <p:nvSpPr>
+          <p:cNvPr id="4" name="Footer Placeholder 3"/>
+          <p:cNvSpPr>
+            <a:spLocks noGrp="1"/>
+          </p:cNvSpPr>
+          <p:nvPr>
+            <p:ph type="ftr" sz="quarter" idx="11"/>
+          </p:nvPr>
+        </p:nvSpPr>
+        <p:spPr/>
+        <p:txBody>
+          <a:bodyPr/>
+          <a:lstStyle/>
+          <a:p>
+            <a:r>
+              <a:rPr lang="en-US" smtClean="0"/>
+              <a:t>CIS428/CIS628 Introduction to Cryptography</a:t>
+            </a:r>
+            <a:endParaRPr lang="en-US"/>
+          </a:p>
+        </p:txBody>
+      </p:sp>
     </p:spTree>
     <p:extLst>
       <p:ext uri="{BB962C8B-B14F-4D97-AF65-F5344CB8AC3E}">
@@ -4855,206 +5095,6 @@
 </file>
 
 <file path=ppt/slides/slide8.xml><?xml version="1.0" encoding="utf-8"?>
-<p:sld xmlns:a="http://schemas.openxmlformats.org/drawingml/2006/main" xmlns:r="http://schemas.openxmlformats.org/officeDocument/2006/relationships" xmlns:p="http://schemas.openxmlformats.org/presentationml/2006/main" show="0">
-  <p:cSld>
-    <p:spTree>
-      <p:nvGrpSpPr>
-        <p:cNvPr id="1" name=""/>
-        <p:cNvGrpSpPr/>
-        <p:nvPr/>
-      </p:nvGrpSpPr>
-      <p:grpSpPr>
-        <a:xfrm>
-          <a:off x="0" y="0"/>
-          <a:ext cx="0" cy="0"/>
-          <a:chOff x="0" y="0"/>
-          <a:chExt cx="0" cy="0"/>
-        </a:xfrm>
-      </p:grpSpPr>
-      <p:sp>
-        <p:nvSpPr>
-          <p:cNvPr id="2" name="Title 1"/>
-          <p:cNvSpPr>
-            <a:spLocks noGrp="1"/>
-          </p:cNvSpPr>
-          <p:nvPr>
-            <p:ph type="title"/>
-          </p:nvPr>
-        </p:nvSpPr>
-        <p:spPr/>
-        <p:txBody>
-          <a:bodyPr/>
-          <a:lstStyle/>
-          <a:p>
-            <a:r>
-              <a:rPr lang="en-US" dirty="0" smtClean="0"/>
-              <a:t>Presentation and projects</a:t>
-            </a:r>
-            <a:endParaRPr lang="en-US" dirty="0"/>
-          </a:p>
-        </p:txBody>
-      </p:sp>
-      <p:sp>
-        <p:nvSpPr>
-          <p:cNvPr id="3" name="Content Placeholder 2"/>
-          <p:cNvSpPr>
-            <a:spLocks noGrp="1"/>
-          </p:cNvSpPr>
-          <p:nvPr>
-            <p:ph idx="1"/>
-          </p:nvPr>
-        </p:nvSpPr>
-        <p:spPr/>
-        <p:txBody>
-          <a:bodyPr>
-            <a:normAutofit fontScale="85000" lnSpcReduction="20000"/>
-          </a:bodyPr>
-          <a:lstStyle/>
-          <a:p>
-            <a:r>
-              <a:rPr lang="en-US" dirty="0" smtClean="0"/>
-              <a:t>Four topics of your choice</a:t>
-            </a:r>
-          </a:p>
-          <a:p>
-            <a:pPr marL="971550" lvl="1" indent="-514350">
-              <a:buFont typeface="+mj-lt"/>
-              <a:buAutoNum type="arabicPeriod"/>
-            </a:pPr>
-            <a:r>
-              <a:rPr lang="en-US" dirty="0" smtClean="0"/>
-              <a:t>Cryptographic games (</a:t>
-            </a:r>
-            <a:r>
-              <a:rPr lang="en-US" dirty="0" err="1" smtClean="0"/>
-              <a:t>EasyCrypt</a:t>
-            </a:r>
-            <a:r>
-              <a:rPr lang="en-US" dirty="0" smtClean="0"/>
-              <a:t>)</a:t>
-            </a:r>
-          </a:p>
-          <a:p>
-            <a:pPr marL="971550" lvl="1" indent="-514350">
-              <a:buFont typeface="+mj-lt"/>
-              <a:buAutoNum type="arabicPeriod"/>
-            </a:pPr>
-            <a:r>
-              <a:rPr lang="en-US" dirty="0" smtClean="0"/>
-              <a:t>TEE and TPM (using Intel SGX)</a:t>
-            </a:r>
-          </a:p>
-          <a:p>
-            <a:pPr marL="971550" lvl="1" indent="-514350">
-              <a:buFont typeface="+mj-lt"/>
-              <a:buAutoNum type="arabicPeriod"/>
-            </a:pPr>
-            <a:r>
-              <a:rPr lang="en-US" dirty="0" err="1" smtClean="0"/>
-              <a:t>Blockchain</a:t>
-            </a:r>
-            <a:r>
-              <a:rPr lang="en-US" dirty="0" smtClean="0"/>
-              <a:t> and </a:t>
-            </a:r>
-            <a:r>
-              <a:rPr lang="en-US" dirty="0" err="1" smtClean="0"/>
-              <a:t>Bitcoin</a:t>
-            </a:r>
-            <a:r>
-              <a:rPr lang="en-US" dirty="0"/>
-              <a:t> </a:t>
-            </a:r>
-            <a:r>
-              <a:rPr lang="en-US" dirty="0" smtClean="0"/>
-              <a:t>(using </a:t>
-            </a:r>
-            <a:r>
-              <a:rPr lang="en-US" dirty="0" err="1" smtClean="0"/>
-              <a:t>Ethereum</a:t>
-            </a:r>
-            <a:r>
-              <a:rPr lang="en-US" dirty="0"/>
-              <a:t>)</a:t>
-            </a:r>
-            <a:endParaRPr lang="en-US" dirty="0" smtClean="0"/>
-          </a:p>
-          <a:p>
-            <a:pPr marL="971550" lvl="1" indent="-514350">
-              <a:buFont typeface="+mj-lt"/>
-              <a:buAutoNum type="arabicPeriod"/>
-            </a:pPr>
-            <a:r>
-              <a:rPr lang="en-US" dirty="0" smtClean="0"/>
-              <a:t>Password and authentication (cracking Linux crypt())</a:t>
-            </a:r>
-            <a:endParaRPr lang="en-US" dirty="0"/>
-          </a:p>
-          <a:p>
-            <a:r>
-              <a:rPr lang="en-US" dirty="0" smtClean="0"/>
-              <a:t>For each topic chosen, you should</a:t>
-            </a:r>
-          </a:p>
-          <a:p>
-            <a:pPr lvl="1"/>
-            <a:r>
-              <a:rPr lang="en-US" dirty="0" smtClean="0"/>
-              <a:t>1. Present a paper in the class; see paper choice in website</a:t>
-            </a:r>
-          </a:p>
-          <a:p>
-            <a:pPr lvl="1"/>
-            <a:r>
-              <a:rPr lang="en-US" dirty="0" smtClean="0"/>
-              <a:t>2. Do the programming project of the topic</a:t>
-            </a:r>
-          </a:p>
-          <a:p>
-            <a:r>
-              <a:rPr lang="en-US" dirty="0" smtClean="0"/>
-              <a:t>For each topic, you will need to self-study but I will </a:t>
-            </a:r>
-          </a:p>
-          <a:p>
-            <a:pPr lvl="1"/>
-            <a:r>
-              <a:rPr lang="en-US" dirty="0" smtClean="0"/>
-              <a:t>Give lectures introducing the basics. See website.</a:t>
-            </a:r>
-          </a:p>
-          <a:p>
-            <a:pPr lvl="1"/>
-            <a:r>
-              <a:rPr lang="en-US" dirty="0" smtClean="0"/>
-              <a:t>Provide programming guidance.</a:t>
-            </a:r>
-            <a:endParaRPr lang="en-US" dirty="0"/>
-          </a:p>
-        </p:txBody>
-      </p:sp>
-    </p:spTree>
-    <p:extLst>
-      <p:ext uri="{BB962C8B-B14F-4D97-AF65-F5344CB8AC3E}">
-        <p14:creationId xmlns:p14="http://schemas.microsoft.com/office/powerpoint/2010/main" val="1261244421"/>
-      </p:ext>
-    </p:extLst>
-  </p:cSld>
-  <p:clrMapOvr>
-    <a:masterClrMapping/>
-  </p:clrMapOvr>
-  <mc:AlternateContent xmlns:mc="http://schemas.openxmlformats.org/markup-compatibility/2006">
-    <mc:Choice xmlns:p14="http://schemas.microsoft.com/office/powerpoint/2010/main" Requires="p14">
-      <p:transition spd="slow" p14:dur="2000"/>
-    </mc:Choice>
-    <mc:Fallback>
-      <p:transition xmlns:p14="http://schemas.microsoft.com/office/powerpoint/2010/main" spd="slow"/>
-    </mc:Fallback>
-  </mc:AlternateContent>
-</p:sld>
-</file>
-
-<file path=ppt/slides/slide9.xml><?xml version="1.0" encoding="utf-8"?>
 <p:sld xmlns:a="http://schemas.openxmlformats.org/drawingml/2006/main" xmlns:r="http://schemas.openxmlformats.org/officeDocument/2006/relationships" xmlns:p="http://schemas.openxmlformats.org/presentationml/2006/main">
   <p:cSld>
     <p:spTree>
@@ -5241,25 +5281,24 @@
       </p:sp>
       <p:sp>
         <p:nvSpPr>
-          <p:cNvPr id="4" name="Slide Number Placeholder 3"/>
-          <p:cNvSpPr>
-            <a:spLocks noGrp="1"/>
-          </p:cNvSpPr>
-          <p:nvPr>
-            <p:ph type="sldNum" sz="quarter" idx="12"/>
-          </p:nvPr>
-        </p:nvSpPr>
-        <p:spPr/>
-        <p:txBody>
-          <a:bodyPr/>
-          <a:lstStyle/>
-          <a:p>
-            <a:fld id="{B6F15528-21DE-4FAA-801E-634DDDAF4B2B}" type="slidenum">
-              <a:rPr lang="en-US" smtClean="0"/>
-              <a:pPr/>
-              <a:t>9</a:t>
-            </a:fld>
-            <a:endParaRPr lang="en-US" dirty="0"/>
+          <p:cNvPr id="5" name="Footer Placeholder 4"/>
+          <p:cNvSpPr>
+            <a:spLocks noGrp="1"/>
+          </p:cNvSpPr>
+          <p:nvPr>
+            <p:ph type="ftr" sz="quarter" idx="11"/>
+          </p:nvPr>
+        </p:nvSpPr>
+        <p:spPr/>
+        <p:txBody>
+          <a:bodyPr/>
+          <a:lstStyle/>
+          <a:p>
+            <a:r>
+              <a:rPr lang="en-US" smtClean="0"/>
+              <a:t>CIS428/CIS628 Introduction to Cryptography</a:t>
+            </a:r>
+            <a:endParaRPr lang="en-US"/>
           </a:p>
         </p:txBody>
       </p:sp>
@@ -5922,4 +5961,324 @@
   </a:objectDefaults>
   <a:extraClrSchemeLst/>
 </a:theme>
+</file>
+
+<file path=ppt/theme/theme3.xml><?xml version="1.0" encoding="utf-8"?>
+<a:theme xmlns:a="http://schemas.openxmlformats.org/drawingml/2006/main" name="Office Theme">
+  <a:themeElements>
+    <a:clrScheme name="Office">
+      <a:dk1>
+        <a:sysClr val="windowText" lastClr="000000"/>
+      </a:dk1>
+      <a:lt1>
+        <a:sysClr val="window" lastClr="FFFFFF"/>
+      </a:lt1>
+      <a:dk2>
+        <a:srgbClr val="1F497D"/>
+      </a:dk2>
+      <a:lt2>
+        <a:srgbClr val="EEECE1"/>
+      </a:lt2>
+      <a:accent1>
+        <a:srgbClr val="4F81BD"/>
+      </a:accent1>
+      <a:accent2>
+        <a:srgbClr val="C0504D"/>
+      </a:accent2>
+      <a:accent3>
+        <a:srgbClr val="9BBB59"/>
+      </a:accent3>
+      <a:accent4>
+        <a:srgbClr val="8064A2"/>
+      </a:accent4>
+      <a:accent5>
+        <a:srgbClr val="4BACC6"/>
+      </a:accent5>
+      <a:accent6>
+        <a:srgbClr val="F79646"/>
+      </a:accent6>
+      <a:hlink>
+        <a:srgbClr val="0000FF"/>
+      </a:hlink>
+      <a:folHlink>
+        <a:srgbClr val="800080"/>
+      </a:folHlink>
+    </a:clrScheme>
+    <a:fontScheme name="Office">
+      <a:majorFont>
+        <a:latin typeface="Calibri"/>
+        <a:ea typeface=""/>
+        <a:cs typeface=""/>
+        <a:font script="Jpan" typeface="ＭＳ Ｐゴシック"/>
+        <a:font script="Hang" typeface="맑은 고딕"/>
+        <a:font script="Hans" typeface="宋体"/>
+        <a:font script="Hant" typeface="新細明體"/>
+        <a:font script="Arab" typeface="Times New Roman"/>
+        <a:font script="Hebr" typeface="Times New Roman"/>
+        <a:font script="Thai" typeface="Angsana New"/>
+        <a:font script="Ethi" typeface="Nyala"/>
+        <a:font script="Beng" typeface="Vrinda"/>
+        <a:font script="Gujr" typeface="Shruti"/>
+        <a:font script="Khmr" typeface="MoolBoran"/>
+        <a:font script="Knda" typeface="Tunga"/>
+        <a:font script="Guru" typeface="Raavi"/>
+        <a:font script="Cans" typeface="Euphemia"/>
+        <a:font script="Cher" typeface="Plantagenet Cherokee"/>
+        <a:font script="Yiii" typeface="Microsoft Yi Baiti"/>
+        <a:font script="Tibt" typeface="Microsoft Himalaya"/>
+        <a:font script="Thaa" typeface="MV Boli"/>
+        <a:font script="Deva" typeface="Mangal"/>
+        <a:font script="Telu" typeface="Gautami"/>
+        <a:font script="Taml" typeface="Latha"/>
+        <a:font script="Syrc" typeface="Estrangelo Edessa"/>
+        <a:font script="Orya" typeface="Kalinga"/>
+        <a:font script="Mlym" typeface="Kartika"/>
+        <a:font script="Laoo" typeface="DokChampa"/>
+        <a:font script="Sinh" typeface="Iskoola Pota"/>
+        <a:font script="Mong" typeface="Mongolian Baiti"/>
+        <a:font script="Viet" typeface="Times New Roman"/>
+        <a:font script="Uigh" typeface="Microsoft Uighur"/>
+        <a:font script="Geor" typeface="Sylfaen"/>
+      </a:majorFont>
+      <a:minorFont>
+        <a:latin typeface="Calibri"/>
+        <a:ea typeface=""/>
+        <a:cs typeface=""/>
+        <a:font script="Jpan" typeface="ＭＳ Ｐゴシック"/>
+        <a:font script="Hang" typeface="맑은 고딕"/>
+        <a:font script="Hans" typeface="宋体"/>
+        <a:font script="Hant" typeface="新細明體"/>
+        <a:font script="Arab" typeface="Arial"/>
+        <a:font script="Hebr" typeface="Arial"/>
+        <a:font script="Thai" typeface="Cordia New"/>
+        <a:font script="Ethi" typeface="Nyala"/>
+        <a:font script="Beng" typeface="Vrinda"/>
+        <a:font script="Gujr" typeface="Shruti"/>
+        <a:font script="Khmr" typeface="DaunPenh"/>
+        <a:font script="Knda" typeface="Tunga"/>
+        <a:font script="Guru" typeface="Raavi"/>
+        <a:font script="Cans" typeface="Euphemia"/>
+        <a:font script="Cher" typeface="Plantagenet Cherokee"/>
+        <a:font script="Yiii" typeface="Microsoft Yi Baiti"/>
+        <a:font script="Tibt" typeface="Microsoft Himalaya"/>
+        <a:font script="Thaa" typeface="MV Boli"/>
+        <a:font script="Deva" typeface="Mangal"/>
+        <a:font script="Telu" typeface="Gautami"/>
+        <a:font script="Taml" typeface="Latha"/>
+        <a:font script="Syrc" typeface="Estrangelo Edessa"/>
+        <a:font script="Orya" typeface="Kalinga"/>
+        <a:font script="Mlym" typeface="Kartika"/>
+        <a:font script="Laoo" typeface="DokChampa"/>
+        <a:font script="Sinh" typeface="Iskoola Pota"/>
+        <a:font script="Mong" typeface="Mongolian Baiti"/>
+        <a:font script="Viet" typeface="Arial"/>
+        <a:font script="Uigh" typeface="Microsoft Uighur"/>
+        <a:font script="Geor" typeface="Sylfaen"/>
+      </a:minorFont>
+    </a:fontScheme>
+    <a:fmtScheme name="Office">
+      <a:fillStyleLst>
+        <a:solidFill>
+          <a:schemeClr val="phClr"/>
+        </a:solidFill>
+        <a:gradFill rotWithShape="1">
+          <a:gsLst>
+            <a:gs pos="0">
+              <a:schemeClr val="phClr">
+                <a:tint val="50000"/>
+                <a:satMod val="300000"/>
+              </a:schemeClr>
+            </a:gs>
+            <a:gs pos="35000">
+              <a:schemeClr val="phClr">
+                <a:tint val="37000"/>
+                <a:satMod val="300000"/>
+              </a:schemeClr>
+            </a:gs>
+            <a:gs pos="100000">
+              <a:schemeClr val="phClr">
+                <a:tint val="15000"/>
+                <a:satMod val="350000"/>
+              </a:schemeClr>
+            </a:gs>
+          </a:gsLst>
+          <a:lin ang="16200000" scaled="1"/>
+        </a:gradFill>
+        <a:gradFill rotWithShape="1">
+          <a:gsLst>
+            <a:gs pos="0">
+              <a:schemeClr val="phClr">
+                <a:tint val="100000"/>
+                <a:shade val="100000"/>
+                <a:satMod val="130000"/>
+              </a:schemeClr>
+            </a:gs>
+            <a:gs pos="100000">
+              <a:schemeClr val="phClr">
+                <a:tint val="50000"/>
+                <a:shade val="100000"/>
+                <a:satMod val="350000"/>
+              </a:schemeClr>
+            </a:gs>
+          </a:gsLst>
+          <a:lin ang="16200000" scaled="0"/>
+        </a:gradFill>
+      </a:fillStyleLst>
+      <a:lnStyleLst>
+        <a:ln w="9525" cap="flat" cmpd="sng" algn="ctr">
+          <a:solidFill>
+            <a:schemeClr val="phClr">
+              <a:shade val="95000"/>
+              <a:satMod val="105000"/>
+            </a:schemeClr>
+          </a:solidFill>
+          <a:prstDash val="solid"/>
+        </a:ln>
+        <a:ln w="25400" cap="flat" cmpd="sng" algn="ctr">
+          <a:solidFill>
+            <a:schemeClr val="phClr"/>
+          </a:solidFill>
+          <a:prstDash val="solid"/>
+        </a:ln>
+        <a:ln w="38100" cap="flat" cmpd="sng" algn="ctr">
+          <a:solidFill>
+            <a:schemeClr val="phClr"/>
+          </a:solidFill>
+          <a:prstDash val="solid"/>
+        </a:ln>
+      </a:lnStyleLst>
+      <a:effectStyleLst>
+        <a:effectStyle>
+          <a:effectLst>
+            <a:outerShdw blurRad="40000" dist="20000" dir="5400000" rotWithShape="0">
+              <a:srgbClr val="000000">
+                <a:alpha val="38000"/>
+              </a:srgbClr>
+            </a:outerShdw>
+          </a:effectLst>
+        </a:effectStyle>
+        <a:effectStyle>
+          <a:effectLst>
+            <a:outerShdw blurRad="40000" dist="23000" dir="5400000" rotWithShape="0">
+              <a:srgbClr val="000000">
+                <a:alpha val="35000"/>
+              </a:srgbClr>
+            </a:outerShdw>
+          </a:effectLst>
+        </a:effectStyle>
+        <a:effectStyle>
+          <a:effectLst>
+            <a:outerShdw blurRad="40000" dist="23000" dir="5400000" rotWithShape="0">
+              <a:srgbClr val="000000">
+                <a:alpha val="35000"/>
+              </a:srgbClr>
+            </a:outerShdw>
+          </a:effectLst>
+          <a:scene3d>
+            <a:camera prst="orthographicFront">
+              <a:rot lat="0" lon="0" rev="0"/>
+            </a:camera>
+            <a:lightRig rig="threePt" dir="t">
+              <a:rot lat="0" lon="0" rev="1200000"/>
+            </a:lightRig>
+          </a:scene3d>
+          <a:sp3d>
+            <a:bevelT w="63500" h="25400"/>
+          </a:sp3d>
+        </a:effectStyle>
+      </a:effectStyleLst>
+      <a:bgFillStyleLst>
+        <a:solidFill>
+          <a:schemeClr val="phClr"/>
+        </a:solidFill>
+        <a:gradFill rotWithShape="1">
+          <a:gsLst>
+            <a:gs pos="0">
+              <a:schemeClr val="phClr">
+                <a:tint val="40000"/>
+                <a:satMod val="350000"/>
+              </a:schemeClr>
+            </a:gs>
+            <a:gs pos="40000">
+              <a:schemeClr val="phClr">
+                <a:tint val="45000"/>
+                <a:shade val="99000"/>
+                <a:satMod val="350000"/>
+              </a:schemeClr>
+            </a:gs>
+            <a:gs pos="100000">
+              <a:schemeClr val="phClr">
+                <a:shade val="20000"/>
+                <a:satMod val="255000"/>
+              </a:schemeClr>
+            </a:gs>
+          </a:gsLst>
+          <a:path path="circle">
+            <a:fillToRect l="50000" t="-80000" r="50000" b="180000"/>
+          </a:path>
+        </a:gradFill>
+        <a:gradFill rotWithShape="1">
+          <a:gsLst>
+            <a:gs pos="0">
+              <a:schemeClr val="phClr">
+                <a:tint val="80000"/>
+                <a:satMod val="300000"/>
+              </a:schemeClr>
+            </a:gs>
+            <a:gs pos="100000">
+              <a:schemeClr val="phClr">
+                <a:shade val="30000"/>
+                <a:satMod val="200000"/>
+              </a:schemeClr>
+            </a:gs>
+          </a:gsLst>
+          <a:path path="circle">
+            <a:fillToRect l="50000" t="50000" r="50000" b="50000"/>
+          </a:path>
+        </a:gradFill>
+      </a:bgFillStyleLst>
+    </a:fmtScheme>
+  </a:themeElements>
+  <a:objectDefaults>
+    <a:spDef>
+      <a:spPr/>
+      <a:bodyPr/>
+      <a:lstStyle/>
+      <a:style>
+        <a:lnRef idx="1">
+          <a:schemeClr val="accent1"/>
+        </a:lnRef>
+        <a:fillRef idx="3">
+          <a:schemeClr val="accent1"/>
+        </a:fillRef>
+        <a:effectRef idx="2">
+          <a:schemeClr val="accent1"/>
+        </a:effectRef>
+        <a:fontRef idx="minor">
+          <a:schemeClr val="lt1"/>
+        </a:fontRef>
+      </a:style>
+    </a:spDef>
+    <a:lnDef>
+      <a:spPr/>
+      <a:bodyPr/>
+      <a:lstStyle/>
+      <a:style>
+        <a:lnRef idx="2">
+          <a:schemeClr val="accent1"/>
+        </a:lnRef>
+        <a:fillRef idx="0">
+          <a:schemeClr val="accent1"/>
+        </a:fillRef>
+        <a:effectRef idx="1">
+          <a:schemeClr val="accent1"/>
+        </a:effectRef>
+        <a:fontRef idx="minor">
+          <a:schemeClr val="tx1"/>
+        </a:fontRef>
+      </a:style>
+    </a:lnDef>
+  </a:objectDefaults>
+  <a:extraClrSchemeLst/>
+</a:theme>
 </file>
--- a/teaching/19f-cis428/Class-00.pptx
+++ b/teaching/19f-cis428/Class-00.pptx
@@ -5,20 +5,19 @@
     <p:sldMasterId id="2147483648" r:id="rId1"/>
   </p:sldMasterIdLst>
   <p:notesMasterIdLst>
-    <p:notesMasterId r:id="rId10"/>
+    <p:notesMasterId r:id="rId12"/>
   </p:notesMasterIdLst>
-  <p:handoutMasterIdLst>
-    <p:handoutMasterId r:id="rId11"/>
-  </p:handoutMasterIdLst>
   <p:sldIdLst>
-    <p:sldId id="267" r:id="rId2"/>
+    <p:sldId id="256" r:id="rId2"/>
     <p:sldId id="266" r:id="rId3"/>
     <p:sldId id="258" r:id="rId4"/>
     <p:sldId id="260" r:id="rId5"/>
     <p:sldId id="257" r:id="rId6"/>
     <p:sldId id="262" r:id="rId7"/>
     <p:sldId id="263" r:id="rId8"/>
-    <p:sldId id="265" r:id="rId9"/>
+    <p:sldId id="264" r:id="rId9"/>
+    <p:sldId id="265" r:id="rId10"/>
+    <p:sldId id="261" r:id="rId11"/>
   </p:sldIdLst>
   <p:sldSz cx="9144000" cy="6858000" type="screen4x3"/>
   <p:notesSz cx="6858000" cy="9144000"/>
@@ -120,172 +119,6 @@
 </p:presentation>
 </file>
 
-<file path=ppt/handoutMasters/handoutMaster1.xml><?xml version="1.0" encoding="utf-8"?>
-<p:handoutMaster xmlns:a="http://schemas.openxmlformats.org/drawingml/2006/main" xmlns:r="http://schemas.openxmlformats.org/officeDocument/2006/relationships" xmlns:p="http://schemas.openxmlformats.org/presentationml/2006/main">
-  <p:cSld>
-    <p:bg>
-      <p:bgRef idx="1001">
-        <a:schemeClr val="bg1"/>
-      </p:bgRef>
-    </p:bg>
-    <p:spTree>
-      <p:nvGrpSpPr>
-        <p:cNvPr id="1" name=""/>
-        <p:cNvGrpSpPr/>
-        <p:nvPr/>
-      </p:nvGrpSpPr>
-      <p:grpSpPr>
-        <a:xfrm>
-          <a:off x="0" y="0"/>
-          <a:ext cx="0" cy="0"/>
-          <a:chOff x="0" y="0"/>
-          <a:chExt cx="0" cy="0"/>
-        </a:xfrm>
-      </p:grpSpPr>
-      <p:sp>
-        <p:nvSpPr>
-          <p:cNvPr id="2" name="Header Placeholder 1"/>
-          <p:cNvSpPr>
-            <a:spLocks noGrp="1"/>
-          </p:cNvSpPr>
-          <p:nvPr>
-            <p:ph type="hdr" sz="quarter"/>
-          </p:nvPr>
-        </p:nvSpPr>
-        <p:spPr>
-          <a:xfrm>
-            <a:off x="0" y="0"/>
-            <a:ext cx="2971800" cy="457200"/>
-          </a:xfrm>
-          <a:prstGeom prst="rect">
-            <a:avLst/>
-          </a:prstGeom>
-        </p:spPr>
-        <p:txBody>
-          <a:bodyPr vert="horz" lIns="91440" tIns="45720" rIns="91440" bIns="45720" rtlCol="0"/>
-          <a:lstStyle>
-            <a:lvl1pPr algn="l">
-              <a:defRPr sz="1200"/>
-            </a:lvl1pPr>
-          </a:lstStyle>
-          <a:p>
-            <a:endParaRPr lang="en-US"/>
-          </a:p>
-        </p:txBody>
-      </p:sp>
-      <p:sp>
-        <p:nvSpPr>
-          <p:cNvPr id="3" name="Date Placeholder 2"/>
-          <p:cNvSpPr>
-            <a:spLocks noGrp="1"/>
-          </p:cNvSpPr>
-          <p:nvPr>
-            <p:ph type="dt" sz="quarter" idx="1"/>
-          </p:nvPr>
-        </p:nvSpPr>
-        <p:spPr>
-          <a:xfrm>
-            <a:off x="3884613" y="0"/>
-            <a:ext cx="2971800" cy="457200"/>
-          </a:xfrm>
-          <a:prstGeom prst="rect">
-            <a:avLst/>
-          </a:prstGeom>
-        </p:spPr>
-        <p:txBody>
-          <a:bodyPr vert="horz" lIns="91440" tIns="45720" rIns="91440" bIns="45720" rtlCol="0"/>
-          <a:lstStyle>
-            <a:lvl1pPr algn="r">
-              <a:defRPr sz="1200"/>
-            </a:lvl1pPr>
-          </a:lstStyle>
-          <a:p>
-            <a:fld id="{89C98C0D-F3E5-424E-98A7-1F4F80CB8D3D}" type="datetimeFigureOut">
-              <a:rPr lang="en-US" smtClean="0"/>
-              <a:t>8/29/19</a:t>
-            </a:fld>
-            <a:endParaRPr lang="en-US"/>
-          </a:p>
-        </p:txBody>
-      </p:sp>
-      <p:sp>
-        <p:nvSpPr>
-          <p:cNvPr id="4" name="Footer Placeholder 3"/>
-          <p:cNvSpPr>
-            <a:spLocks noGrp="1"/>
-          </p:cNvSpPr>
-          <p:nvPr>
-            <p:ph type="ftr" sz="quarter" idx="2"/>
-          </p:nvPr>
-        </p:nvSpPr>
-        <p:spPr>
-          <a:xfrm>
-            <a:off x="0" y="8685213"/>
-            <a:ext cx="2971800" cy="457200"/>
-          </a:xfrm>
-          <a:prstGeom prst="rect">
-            <a:avLst/>
-          </a:prstGeom>
-        </p:spPr>
-        <p:txBody>
-          <a:bodyPr vert="horz" lIns="91440" tIns="45720" rIns="91440" bIns="45720" rtlCol="0" anchor="b"/>
-          <a:lstStyle>
-            <a:lvl1pPr algn="l">
-              <a:defRPr sz="1200"/>
-            </a:lvl1pPr>
-          </a:lstStyle>
-          <a:p>
-            <a:endParaRPr lang="en-US"/>
-          </a:p>
-        </p:txBody>
-      </p:sp>
-      <p:sp>
-        <p:nvSpPr>
-          <p:cNvPr id="5" name="Slide Number Placeholder 4"/>
-          <p:cNvSpPr>
-            <a:spLocks noGrp="1"/>
-          </p:cNvSpPr>
-          <p:nvPr>
-            <p:ph type="sldNum" sz="quarter" idx="3"/>
-          </p:nvPr>
-        </p:nvSpPr>
-        <p:spPr>
-          <a:xfrm>
-            <a:off x="3884613" y="8685213"/>
-            <a:ext cx="2971800" cy="457200"/>
-          </a:xfrm>
-          <a:prstGeom prst="rect">
-            <a:avLst/>
-          </a:prstGeom>
-        </p:spPr>
-        <p:txBody>
-          <a:bodyPr vert="horz" lIns="91440" tIns="45720" rIns="91440" bIns="45720" rtlCol="0" anchor="b"/>
-          <a:lstStyle>
-            <a:lvl1pPr algn="r">
-              <a:defRPr sz="1200"/>
-            </a:lvl1pPr>
-          </a:lstStyle>
-          <a:p>
-            <a:fld id="{DDAE1E15-5F5D-C246-B196-555281112B9F}" type="slidenum">
-              <a:rPr lang="en-US" smtClean="0"/>
-              <a:t>‹#›</a:t>
-            </a:fld>
-            <a:endParaRPr lang="en-US"/>
-          </a:p>
-        </p:txBody>
-      </p:sp>
-    </p:spTree>
-    <p:extLst>
-      <p:ext uri="{BB962C8B-B14F-4D97-AF65-F5344CB8AC3E}">
-        <p14:creationId xmlns:p14="http://schemas.microsoft.com/office/powerpoint/2010/main" val="1048970926"/>
-      </p:ext>
-    </p:extLst>
-  </p:cSld>
-  <p:clrMap bg1="lt1" tx1="dk1" bg2="lt2" tx2="dk2" accent1="accent1" accent2="accent2" accent3="accent3" accent4="accent4" accent5="accent5" accent6="accent6" hlink="hlink" folHlink="folHlink"/>
-  <p:hf hdr="0" ftr="0" dt="0"/>
-</p:handoutMaster>
-</file>
-
 <file path=ppt/notesMasters/notesMaster1.xml><?xml version="1.0" encoding="utf-8"?>
 <p:notesMaster xmlns:a="http://schemas.openxmlformats.org/drawingml/2006/main" xmlns:r="http://schemas.openxmlformats.org/officeDocument/2006/relationships" xmlns:p="http://schemas.openxmlformats.org/presentationml/2006/main">
   <p:cSld>
@@ -368,7 +201,7 @@
           <a:p>
             <a:fld id="{24EF0FC3-3292-EF48-8F99-2204AA13DA94}" type="datetimeFigureOut">
               <a:rPr lang="en-US" smtClean="0"/>
-              <a:t>8/29/19</a:t>
+              <a:t>8/27/19</a:t>
             </a:fld>
             <a:endParaRPr lang="en-US"/>
           </a:p>
@@ -541,7 +374,6 @@
     </p:extLst>
   </p:cSld>
   <p:clrMap bg1="lt1" tx1="dk1" bg2="lt2" tx2="dk2" accent1="accent1" accent2="accent2" accent3="accent3" accent4="accent4" accent5="accent5" accent6="accent6" hlink="hlink" folHlink="folHlink"/>
-  <p:hf hdr="0" ftr="0" dt="0"/>
   <p:notesStyle>
     <a:lvl1pPr marL="0" algn="l" defTabSz="457200" rtl="0" eaLnBrk="1" latinLnBrk="0" hangingPunct="1">
       <a:defRPr sz="1200" kern="1200">
@@ -1103,9 +935,9 @@
           <a:bodyPr/>
           <a:lstStyle/>
           <a:p>
-            <a:fld id="{A1AE8CC0-5D1E-6640-889C-E5A3CC34972F}" type="datetime1">
-              <a:rPr lang="en-US" smtClean="0"/>
-              <a:t>8/29/19</a:t>
+            <a:fld id="{DBD910C3-9920-9248-B559-EA127E9C317E}" type="datetimeFigureOut">
+              <a:rPr lang="en-US" smtClean="0"/>
+              <a:t>8/27/19</a:t>
             </a:fld>
             <a:endParaRPr lang="en-US"/>
           </a:p>
@@ -1126,10 +958,6 @@
           <a:bodyPr/>
           <a:lstStyle/>
           <a:p>
-            <a:r>
-              <a:rPr lang="en-US" smtClean="0"/>
-              <a:t>CIS428/CIS628 Introduction to Cryptography</a:t>
-            </a:r>
             <a:endParaRPr lang="en-US"/>
           </a:p>
         </p:txBody>
@@ -1277,9 +1105,9 @@
           <a:bodyPr/>
           <a:lstStyle/>
           <a:p>
-            <a:fld id="{2BF6FFDD-A5BE-FA4B-89B1-F2A9CE855917}" type="datetime1">
-              <a:rPr lang="en-US" smtClean="0"/>
-              <a:t>8/29/19</a:t>
+            <a:fld id="{DBD910C3-9920-9248-B559-EA127E9C317E}" type="datetimeFigureOut">
+              <a:rPr lang="en-US" smtClean="0"/>
+              <a:t>8/27/19</a:t>
             </a:fld>
             <a:endParaRPr lang="en-US"/>
           </a:p>
@@ -1300,10 +1128,6 @@
           <a:bodyPr/>
           <a:lstStyle/>
           <a:p>
-            <a:r>
-              <a:rPr lang="en-US" smtClean="0"/>
-              <a:t>CIS428/CIS628 Introduction to Cryptography</a:t>
-            </a:r>
             <a:endParaRPr lang="en-US"/>
           </a:p>
         </p:txBody>
@@ -1461,9 +1285,9 @@
           <a:bodyPr/>
           <a:lstStyle/>
           <a:p>
-            <a:fld id="{C642210A-F64E-CC41-A3BD-23A349BCD950}" type="datetime1">
-              <a:rPr lang="en-US" smtClean="0"/>
-              <a:t>8/29/19</a:t>
+            <a:fld id="{DBD910C3-9920-9248-B559-EA127E9C317E}" type="datetimeFigureOut">
+              <a:rPr lang="en-US" smtClean="0"/>
+              <a:t>8/27/19</a:t>
             </a:fld>
             <a:endParaRPr lang="en-US"/>
           </a:p>
@@ -1484,10 +1308,6 @@
           <a:bodyPr/>
           <a:lstStyle/>
           <a:p>
-            <a:r>
-              <a:rPr lang="en-US" smtClean="0"/>
-              <a:t>CIS428/CIS628 Introduction to Cryptography</a:t>
-            </a:r>
             <a:endParaRPr lang="en-US"/>
           </a:p>
         </p:txBody>
@@ -1635,9 +1455,9 @@
           <a:bodyPr/>
           <a:lstStyle/>
           <a:p>
-            <a:fld id="{D262784A-5256-CE44-BB45-0F1A8DD9D7F6}" type="datetime1">
-              <a:rPr lang="en-US" smtClean="0"/>
-              <a:t>8/29/19</a:t>
+            <a:fld id="{DBD910C3-9920-9248-B559-EA127E9C317E}" type="datetimeFigureOut">
+              <a:rPr lang="en-US" smtClean="0"/>
+              <a:t>8/27/19</a:t>
             </a:fld>
             <a:endParaRPr lang="en-US"/>
           </a:p>
@@ -1658,10 +1478,6 @@
           <a:bodyPr/>
           <a:lstStyle/>
           <a:p>
-            <a:r>
-              <a:rPr lang="en-US" smtClean="0"/>
-              <a:t>CIS428/CIS628 Introduction to Cryptography</a:t>
-            </a:r>
             <a:endParaRPr lang="en-US"/>
           </a:p>
         </p:txBody>
@@ -1885,9 +1701,9 @@
           <a:bodyPr/>
           <a:lstStyle/>
           <a:p>
-            <a:fld id="{BFEFF07D-7B40-BA4F-8A58-1A60B85705DC}" type="datetime1">
-              <a:rPr lang="en-US" smtClean="0"/>
-              <a:t>8/29/19</a:t>
+            <a:fld id="{DBD910C3-9920-9248-B559-EA127E9C317E}" type="datetimeFigureOut">
+              <a:rPr lang="en-US" smtClean="0"/>
+              <a:t>8/27/19</a:t>
             </a:fld>
             <a:endParaRPr lang="en-US"/>
           </a:p>
@@ -1908,10 +1724,6 @@
           <a:bodyPr/>
           <a:lstStyle/>
           <a:p>
-            <a:r>
-              <a:rPr lang="en-US" smtClean="0"/>
-              <a:t>CIS428/CIS628 Introduction to Cryptography</a:t>
-            </a:r>
             <a:endParaRPr lang="en-US"/>
           </a:p>
         </p:txBody>
@@ -2177,9 +1989,9 @@
           <a:bodyPr/>
           <a:lstStyle/>
           <a:p>
-            <a:fld id="{FE6FA455-7923-7D4C-98C9-298DAA869F9D}" type="datetime1">
-              <a:rPr lang="en-US" smtClean="0"/>
-              <a:t>8/29/19</a:t>
+            <a:fld id="{DBD910C3-9920-9248-B559-EA127E9C317E}" type="datetimeFigureOut">
+              <a:rPr lang="en-US" smtClean="0"/>
+              <a:t>8/27/19</a:t>
             </a:fld>
             <a:endParaRPr lang="en-US"/>
           </a:p>
@@ -2200,10 +2012,6 @@
           <a:bodyPr/>
           <a:lstStyle/>
           <a:p>
-            <a:r>
-              <a:rPr lang="en-US" smtClean="0"/>
-              <a:t>CIS428/CIS628 Introduction to Cryptography</a:t>
-            </a:r>
             <a:endParaRPr lang="en-US"/>
           </a:p>
         </p:txBody>
@@ -2603,9 +2411,9 @@
           <a:bodyPr/>
           <a:lstStyle/>
           <a:p>
-            <a:fld id="{20F1298A-42B0-044F-B05A-92CD802B762A}" type="datetime1">
-              <a:rPr lang="en-US" smtClean="0"/>
-              <a:t>8/29/19</a:t>
+            <a:fld id="{DBD910C3-9920-9248-B559-EA127E9C317E}" type="datetimeFigureOut">
+              <a:rPr lang="en-US" smtClean="0"/>
+              <a:t>8/27/19</a:t>
             </a:fld>
             <a:endParaRPr lang="en-US"/>
           </a:p>
@@ -2626,10 +2434,6 @@
           <a:bodyPr/>
           <a:lstStyle/>
           <a:p>
-            <a:r>
-              <a:rPr lang="en-US" smtClean="0"/>
-              <a:t>CIS428/CIS628 Introduction to Cryptography</a:t>
-            </a:r>
             <a:endParaRPr lang="en-US"/>
           </a:p>
         </p:txBody>
@@ -2725,9 +2529,9 @@
           <a:bodyPr/>
           <a:lstStyle/>
           <a:p>
-            <a:fld id="{9ADD21A8-36B6-A046-8584-A6C79C674EB5}" type="datetime1">
-              <a:rPr lang="en-US" smtClean="0"/>
-              <a:t>8/29/19</a:t>
+            <a:fld id="{DBD910C3-9920-9248-B559-EA127E9C317E}" type="datetimeFigureOut">
+              <a:rPr lang="en-US" smtClean="0"/>
+              <a:t>8/27/19</a:t>
             </a:fld>
             <a:endParaRPr lang="en-US"/>
           </a:p>
@@ -2748,10 +2552,6 @@
           <a:bodyPr/>
           <a:lstStyle/>
           <a:p>
-            <a:r>
-              <a:rPr lang="en-US" smtClean="0"/>
-              <a:t>CIS428/CIS628 Introduction to Cryptography</a:t>
-            </a:r>
             <a:endParaRPr lang="en-US"/>
           </a:p>
         </p:txBody>
@@ -2824,9 +2624,9 @@
           <a:bodyPr/>
           <a:lstStyle/>
           <a:p>
-            <a:fld id="{737E48CC-C862-2441-9B82-6B3B07A3837E}" type="datetime1">
-              <a:rPr lang="en-US" smtClean="0"/>
-              <a:t>8/29/19</a:t>
+            <a:fld id="{DBD910C3-9920-9248-B559-EA127E9C317E}" type="datetimeFigureOut">
+              <a:rPr lang="en-US" smtClean="0"/>
+              <a:t>8/27/19</a:t>
             </a:fld>
             <a:endParaRPr lang="en-US"/>
           </a:p>
@@ -2847,10 +2647,6 @@
           <a:bodyPr/>
           <a:lstStyle/>
           <a:p>
-            <a:r>
-              <a:rPr lang="en-US" smtClean="0"/>
-              <a:t>CIS428/CIS628 Introduction to Cryptography</a:t>
-            </a:r>
             <a:endParaRPr lang="en-US"/>
           </a:p>
         </p:txBody>
@@ -3105,9 +2901,9 @@
           <a:bodyPr/>
           <a:lstStyle/>
           <a:p>
-            <a:fld id="{EA9256A7-14F5-1643-B5D9-EC2AC59D0EC7}" type="datetime1">
-              <a:rPr lang="en-US" smtClean="0"/>
-              <a:t>8/29/19</a:t>
+            <a:fld id="{DBD910C3-9920-9248-B559-EA127E9C317E}" type="datetimeFigureOut">
+              <a:rPr lang="en-US" smtClean="0"/>
+              <a:t>8/27/19</a:t>
             </a:fld>
             <a:endParaRPr lang="en-US"/>
           </a:p>
@@ -3128,10 +2924,6 @@
           <a:bodyPr/>
           <a:lstStyle/>
           <a:p>
-            <a:r>
-              <a:rPr lang="en-US" smtClean="0"/>
-              <a:t>CIS428/CIS628 Introduction to Cryptography</a:t>
-            </a:r>
             <a:endParaRPr lang="en-US"/>
           </a:p>
         </p:txBody>
@@ -3362,9 +3154,9 @@
           <a:bodyPr/>
           <a:lstStyle/>
           <a:p>
-            <a:fld id="{5E1022C5-A768-184A-BF19-45669D0EBC92}" type="datetime1">
-              <a:rPr lang="en-US" smtClean="0"/>
-              <a:t>8/29/19</a:t>
+            <a:fld id="{DBD910C3-9920-9248-B559-EA127E9C317E}" type="datetimeFigureOut">
+              <a:rPr lang="en-US" smtClean="0"/>
+              <a:t>8/27/19</a:t>
             </a:fld>
             <a:endParaRPr lang="en-US"/>
           </a:p>
@@ -3385,10 +3177,6 @@
           <a:bodyPr/>
           <a:lstStyle/>
           <a:p>
-            <a:r>
-              <a:rPr lang="en-US" smtClean="0"/>
-              <a:t>CIS428/CIS628 Introduction to Cryptography</a:t>
-            </a:r>
             <a:endParaRPr lang="en-US"/>
           </a:p>
         </p:txBody>
@@ -3579,9 +3367,9 @@
             </a:lvl1pPr>
           </a:lstStyle>
           <a:p>
-            <a:fld id="{A2DF632B-ECE1-6445-8F79-CCC00BEAD67A}" type="datetime1">
-              <a:rPr lang="en-US" smtClean="0"/>
-              <a:t>8/29/19</a:t>
+            <a:fld id="{DBD910C3-9920-9248-B559-EA127E9C317E}" type="datetimeFigureOut">
+              <a:rPr lang="en-US" smtClean="0"/>
+              <a:t>8/27/19</a:t>
             </a:fld>
             <a:endParaRPr lang="en-US"/>
           </a:p>
@@ -3620,10 +3408,6 @@
             </a:lvl1pPr>
           </a:lstStyle>
           <a:p>
-            <a:r>
-              <a:rPr lang="en-US" smtClean="0"/>
-              <a:t>CIS428/CIS628 Introduction to Cryptography</a:t>
-            </a:r>
             <a:endParaRPr lang="en-US"/>
           </a:p>
         </p:txBody>
@@ -3690,7 +3474,6 @@
     <p:sldLayoutId id="2147483658" r:id="rId10"/>
     <p:sldLayoutId id="2147483659" r:id="rId11"/>
   </p:sldLayoutIdLst>
-  <p:hf sldNum="0" hdr="0" dt="0"/>
   <p:txStyles>
     <p:titleStyle>
       <a:lvl1pPr algn="ctr" defTabSz="457200" rtl="0" eaLnBrk="1" latinLnBrk="0" hangingPunct="1">
@@ -3971,23 +3754,16 @@
             <p:ph type="ctrTitle"/>
           </p:nvPr>
         </p:nvSpPr>
-        <p:spPr>
-          <a:xfrm>
-            <a:off x="685800" y="1936374"/>
-            <a:ext cx="7772400" cy="1470025"/>
-          </a:xfrm>
-        </p:spPr>
-        <p:txBody>
-          <a:bodyPr>
-            <a:noAutofit/>
-          </a:bodyPr>
-          <a:lstStyle/>
-          <a:p>
-            <a:r>
-              <a:rPr lang="en-US" sz="4800" dirty="0" smtClean="0"/>
-              <a:t>Lecture 1: Course Introduction</a:t>
-            </a:r>
-            <a:endParaRPr lang="en-US" sz="4800" dirty="0"/>
+        <p:spPr/>
+        <p:txBody>
+          <a:bodyPr/>
+          <a:lstStyle/>
+          <a:p>
+            <a:r>
+              <a:rPr lang="en-US" dirty="0" smtClean="0"/>
+              <a:t>CIS428/CIS628 Introduction to Cryptography</a:t>
+            </a:r>
+            <a:endParaRPr lang="en-US" dirty="0"/>
           </a:p>
         </p:txBody>
       </p:sp>
@@ -4001,119 +3777,197 @@
             <p:ph type="subTitle" idx="1"/>
           </p:nvPr>
         </p:nvSpPr>
-        <p:spPr>
-          <a:xfrm>
-            <a:off x="493913" y="3886200"/>
-            <a:ext cx="8314793" cy="2394052"/>
-          </a:xfrm>
-        </p:spPr>
-        <p:txBody>
-          <a:bodyPr>
-            <a:normAutofit/>
-          </a:bodyPr>
-          <a:lstStyle/>
-          <a:p>
-            <a:r>
-              <a:rPr lang="en-US" sz="4000" b="1" i="1" dirty="0" smtClean="0">
-                <a:solidFill>
-                  <a:schemeClr val="tx1">
-                    <a:lumMod val="50000"/>
-                    <a:lumOff val="50000"/>
-                  </a:schemeClr>
-                </a:solidFill>
-              </a:rPr>
-              <a:t>Dr. Yuzhe (Richard) Tang</a:t>
-            </a:r>
-          </a:p>
-          <a:p>
-            <a:r>
-              <a:rPr lang="en-US" i="1" dirty="0" smtClean="0">
-                <a:solidFill>
-                  <a:schemeClr val="tx1">
-                    <a:lumMod val="50000"/>
-                    <a:lumOff val="50000"/>
-                  </a:schemeClr>
-                </a:solidFill>
-              </a:rPr>
-              <a:t>Department of EECS, </a:t>
-            </a:r>
-          </a:p>
-          <a:p>
-            <a:r>
-              <a:rPr lang="en-US" i="1" dirty="0" smtClean="0">
-                <a:solidFill>
-                  <a:schemeClr val="tx1">
-                    <a:lumMod val="50000"/>
-                    <a:lumOff val="50000"/>
-                  </a:schemeClr>
-                </a:solidFill>
-              </a:rPr>
-              <a:t>Syracuse University</a:t>
-            </a:r>
-          </a:p>
-        </p:txBody>
-      </p:sp>
-      <p:pic>
-        <p:nvPicPr>
-          <p:cNvPr id="4" name="Shape 39"/>
-          <p:cNvPicPr preferRelativeResize="0"/>
-          <p:nvPr/>
-        </p:nvPicPr>
-        <p:blipFill>
-          <a:blip r:embed="rId2">
-            <a:alphaModFix/>
-          </a:blip>
-          <a:stretch>
-            <a:fillRect/>
-          </a:stretch>
-        </p:blipFill>
-        <p:spPr>
-          <a:xfrm>
-            <a:off x="7009402" y="4753315"/>
-            <a:ext cx="2072613" cy="2054055"/>
-          </a:xfrm>
-          <a:prstGeom prst="rect">
-            <a:avLst/>
-          </a:prstGeom>
-          <a:noFill/>
-          <a:ln>
-            <a:noFill/>
-          </a:ln>
-        </p:spPr>
-      </p:pic>
-      <p:sp>
-        <p:nvSpPr>
-          <p:cNvPr id="5" name="Footer Placeholder 4"/>
-          <p:cNvSpPr>
-            <a:spLocks noGrp="1"/>
-          </p:cNvSpPr>
-          <p:nvPr>
-            <p:ph type="ftr" sz="quarter" idx="11"/>
-          </p:nvPr>
-        </p:nvSpPr>
-        <p:spPr/>
-        <p:txBody>
-          <a:bodyPr/>
-          <a:lstStyle/>
-          <a:p>
-            <a:r>
-              <a:rPr lang="en-US" smtClean="0"/>
-              <a:t>CIS428/CIS628 Introduction to Cryptography</a:t>
-            </a:r>
-            <a:endParaRPr lang="en-US"/>
+        <p:spPr/>
+        <p:txBody>
+          <a:bodyPr/>
+          <a:lstStyle/>
+          <a:p>
+            <a:r>
+              <a:rPr lang="en-US" dirty="0" smtClean="0"/>
+              <a:t>Dr. Yuzhe Richard Tang</a:t>
+            </a:r>
+          </a:p>
+          <a:p>
+            <a:r>
+              <a:rPr lang="en-US" dirty="0" smtClean="0"/>
+              <a:t>Department of EECS</a:t>
+            </a:r>
+            <a:endParaRPr lang="en-US" dirty="0"/>
           </a:p>
         </p:txBody>
       </p:sp>
     </p:spTree>
     <p:extLst>
       <p:ext uri="{BB962C8B-B14F-4D97-AF65-F5344CB8AC3E}">
-        <p14:creationId xmlns:p14="http://schemas.microsoft.com/office/powerpoint/2010/main" val="2746447067"/>
+        <p14:creationId xmlns:p14="http://schemas.microsoft.com/office/powerpoint/2010/main" val="4215516424"/>
       </p:ext>
     </p:extLst>
   </p:cSld>
   <p:clrMapOvr>
     <a:masterClrMapping/>
   </p:clrMapOvr>
+</p:sld>
+</file>
+
+<file path=ppt/slides/slide10.xml><?xml version="1.0" encoding="utf-8"?>
+<p:sld xmlns:a="http://schemas.openxmlformats.org/drawingml/2006/main" xmlns:r="http://schemas.openxmlformats.org/officeDocument/2006/relationships" xmlns:p="http://schemas.openxmlformats.org/presentationml/2006/main" show="0">
+  <p:cSld>
+    <p:spTree>
+      <p:nvGrpSpPr>
+        <p:cNvPr id="1" name=""/>
+        <p:cNvGrpSpPr/>
+        <p:nvPr/>
+      </p:nvGrpSpPr>
+      <p:grpSpPr>
+        <a:xfrm>
+          <a:off x="0" y="0"/>
+          <a:ext cx="0" cy="0"/>
+          <a:chOff x="0" y="0"/>
+          <a:chExt cx="0" cy="0"/>
+        </a:xfrm>
+      </p:grpSpPr>
+      <p:sp>
+        <p:nvSpPr>
+          <p:cNvPr id="2" name="Title 1"/>
+          <p:cNvSpPr>
+            <a:spLocks noGrp="1"/>
+          </p:cNvSpPr>
+          <p:nvPr>
+            <p:ph type="title"/>
+          </p:nvPr>
+        </p:nvSpPr>
+        <p:spPr/>
+        <p:txBody>
+          <a:bodyPr/>
+          <a:lstStyle/>
+          <a:p>
+            <a:r>
+              <a:rPr lang="en-US" dirty="0" smtClean="0"/>
+              <a:t>Survey</a:t>
+            </a:r>
+            <a:endParaRPr lang="en-US" dirty="0"/>
+          </a:p>
+        </p:txBody>
+      </p:sp>
+      <p:sp>
+        <p:nvSpPr>
+          <p:cNvPr id="3" name="Content Placeholder 2"/>
+          <p:cNvSpPr>
+            <a:spLocks noGrp="1"/>
+          </p:cNvSpPr>
+          <p:nvPr>
+            <p:ph idx="1"/>
+          </p:nvPr>
+        </p:nvSpPr>
+        <p:spPr/>
+        <p:txBody>
+          <a:bodyPr>
+            <a:normAutofit fontScale="92500" lnSpcReduction="10000"/>
+          </a:bodyPr>
+          <a:lstStyle/>
+          <a:p>
+            <a:r>
+              <a:rPr lang="en-US" dirty="0" smtClean="0"/>
+              <a:t>Name, Program, Discipline, etc.</a:t>
+            </a:r>
+          </a:p>
+          <a:p>
+            <a:r>
+              <a:rPr lang="en-US" dirty="0" smtClean="0"/>
+              <a:t>What </a:t>
+            </a:r>
+            <a:r>
+              <a:rPr lang="en-US" dirty="0"/>
+              <a:t>you want to learn from the </a:t>
+            </a:r>
+            <a:r>
+              <a:rPr lang="en-US" dirty="0" smtClean="0"/>
+              <a:t>course</a:t>
+            </a:r>
+          </a:p>
+          <a:p>
+            <a:pPr lvl="1"/>
+            <a:r>
+              <a:rPr lang="en-US" dirty="0" smtClean="0"/>
+              <a:t>More on security application or formal treatment</a:t>
+            </a:r>
+            <a:endParaRPr lang="en-US" dirty="0"/>
+          </a:p>
+          <a:p>
+            <a:r>
+              <a:rPr lang="en-US" dirty="0" smtClean="0"/>
+              <a:t>Your current expertise on cryptography</a:t>
+            </a:r>
+          </a:p>
+          <a:p>
+            <a:pPr lvl="1"/>
+            <a:r>
+              <a:rPr lang="en-US" dirty="0" smtClean="0"/>
+              <a:t>Understanding on semantic security, RSA, AES, CR-Hash, </a:t>
+            </a:r>
+            <a:r>
+              <a:rPr lang="en-US" dirty="0" err="1" smtClean="0"/>
+              <a:t>etc</a:t>
+            </a:r>
+            <a:r>
+              <a:rPr lang="en-US" dirty="0" smtClean="0"/>
+              <a:t>?</a:t>
+            </a:r>
+          </a:p>
+          <a:p>
+            <a:pPr lvl="1"/>
+            <a:r>
+              <a:rPr lang="en-US" dirty="0" smtClean="0"/>
+              <a:t>What crypto library used before?</a:t>
+            </a:r>
+          </a:p>
+          <a:p>
+            <a:pPr lvl="1"/>
+            <a:endParaRPr lang="en-US" dirty="0"/>
+          </a:p>
+          <a:p>
+            <a:r>
+              <a:rPr lang="en-US" dirty="0" smtClean="0"/>
+              <a:t>Send me (</a:t>
+            </a:r>
+            <a:r>
+              <a:rPr lang="en-US" dirty="0" smtClean="0">
+                <a:hlinkClick r:id="rId2"/>
+              </a:rPr>
+              <a:t>ytang100@syr.edu</a:t>
+            </a:r>
+            <a:r>
+              <a:rPr lang="en-US" dirty="0" smtClean="0"/>
+              <a:t>) an email about this after the class. Thanks!</a:t>
+            </a:r>
+          </a:p>
+          <a:p>
+            <a:pPr lvl="1"/>
+            <a:endParaRPr lang="en-US" dirty="0" smtClean="0"/>
+          </a:p>
+          <a:p>
+            <a:endParaRPr lang="en-US" dirty="0"/>
+          </a:p>
+        </p:txBody>
+      </p:sp>
+    </p:spTree>
+    <p:extLst>
+      <p:ext uri="{BB962C8B-B14F-4D97-AF65-F5344CB8AC3E}">
+        <p14:creationId xmlns:p14="http://schemas.microsoft.com/office/powerpoint/2010/main" val="679089292"/>
+      </p:ext>
+    </p:extLst>
+  </p:cSld>
+  <p:clrMapOvr>
+    <a:masterClrMapping/>
+  </p:clrMapOvr>
+  <mc:AlternateContent xmlns:mc="http://schemas.openxmlformats.org/markup-compatibility/2006">
+    <mc:Choice xmlns:p14="http://schemas.microsoft.com/office/powerpoint/2010/main" Requires="p14">
+      <p:transition spd="slow" p14:dur="2000"/>
+    </mc:Choice>
+    <mc:Fallback>
+      <p:transition xmlns:p14="http://schemas.microsoft.com/office/powerpoint/2010/main" spd="slow"/>
+    </mc:Fallback>
+  </mc:AlternateContent>
 </p:sld>
 </file>
 
@@ -4265,24 +4119,25 @@
       </p:sp>
       <p:sp>
         <p:nvSpPr>
-          <p:cNvPr id="5" name="Footer Placeholder 4"/>
-          <p:cNvSpPr>
-            <a:spLocks noGrp="1"/>
-          </p:cNvSpPr>
-          <p:nvPr>
-            <p:ph type="ftr" sz="quarter" idx="11"/>
-          </p:nvPr>
-        </p:nvSpPr>
-        <p:spPr/>
-        <p:txBody>
-          <a:bodyPr/>
-          <a:lstStyle/>
-          <a:p>
-            <a:r>
-              <a:rPr lang="en-US" smtClean="0"/>
-              <a:t>CIS428/CIS628 Introduction to Cryptography</a:t>
-            </a:r>
-            <a:endParaRPr lang="en-US"/>
+          <p:cNvPr id="4" name="Slide Number Placeholder 3"/>
+          <p:cNvSpPr>
+            <a:spLocks noGrp="1"/>
+          </p:cNvSpPr>
+          <p:nvPr>
+            <p:ph type="sldNum" sz="quarter" idx="12"/>
+          </p:nvPr>
+        </p:nvSpPr>
+        <p:spPr/>
+        <p:txBody>
+          <a:bodyPr/>
+          <a:lstStyle/>
+          <a:p>
+            <a:fld id="{B6F15528-21DE-4FAA-801E-634DDDAF4B2B}" type="slidenum">
+              <a:rPr lang="en-US" smtClean="0"/>
+              <a:pPr/>
+              <a:t>2</a:t>
+            </a:fld>
+            <a:endParaRPr lang="en-US" dirty="0"/>
           </a:p>
         </p:txBody>
       </p:sp>
@@ -4402,29 +4257,6 @@
           </a:p>
           <a:p>
             <a:endParaRPr lang="en-US" dirty="0" smtClean="0"/>
-          </a:p>
-        </p:txBody>
-      </p:sp>
-      <p:sp>
-        <p:nvSpPr>
-          <p:cNvPr id="4" name="Footer Placeholder 3"/>
-          <p:cNvSpPr>
-            <a:spLocks noGrp="1"/>
-          </p:cNvSpPr>
-          <p:nvPr>
-            <p:ph type="ftr" sz="quarter" idx="11"/>
-          </p:nvPr>
-        </p:nvSpPr>
-        <p:spPr/>
-        <p:txBody>
-          <a:bodyPr/>
-          <a:lstStyle/>
-          <a:p>
-            <a:r>
-              <a:rPr lang="en-US" smtClean="0"/>
-              <a:t>CIS428/CIS628 Introduction to Cryptography</a:t>
-            </a:r>
-            <a:endParaRPr lang="en-US"/>
           </a:p>
         </p:txBody>
       </p:sp>
@@ -4588,29 +4420,6 @@
           </a:prstGeom>
         </p:spPr>
       </p:pic>
-      <p:sp>
-        <p:nvSpPr>
-          <p:cNvPr id="5" name="Footer Placeholder 4"/>
-          <p:cNvSpPr>
-            <a:spLocks noGrp="1"/>
-          </p:cNvSpPr>
-          <p:nvPr>
-            <p:ph type="ftr" sz="quarter" idx="11"/>
-          </p:nvPr>
-        </p:nvSpPr>
-        <p:spPr/>
-        <p:txBody>
-          <a:bodyPr/>
-          <a:lstStyle/>
-          <a:p>
-            <a:r>
-              <a:rPr lang="en-US" smtClean="0"/>
-              <a:t>CIS428/CIS628 Introduction to Cryptography</a:t>
-            </a:r>
-            <a:endParaRPr lang="en-US"/>
-          </a:p>
-        </p:txBody>
-      </p:sp>
     </p:spTree>
     <p:extLst>
       <p:ext uri="{BB962C8B-B14F-4D97-AF65-F5344CB8AC3E}">
@@ -4749,29 +4558,6 @@
           </a:prstGeom>
         </p:spPr>
       </p:pic>
-      <p:sp>
-        <p:nvSpPr>
-          <p:cNvPr id="4" name="Footer Placeholder 3"/>
-          <p:cNvSpPr>
-            <a:spLocks noGrp="1"/>
-          </p:cNvSpPr>
-          <p:nvPr>
-            <p:ph type="ftr" sz="quarter" idx="11"/>
-          </p:nvPr>
-        </p:nvSpPr>
-        <p:spPr/>
-        <p:txBody>
-          <a:bodyPr/>
-          <a:lstStyle/>
-          <a:p>
-            <a:r>
-              <a:rPr lang="en-US" smtClean="0"/>
-              <a:t>CIS428/CIS628 Introduction to Cryptography</a:t>
-            </a:r>
-            <a:endParaRPr lang="en-US"/>
-          </a:p>
-        </p:txBody>
-      </p:sp>
     </p:spTree>
     <p:extLst>
       <p:ext uri="{BB962C8B-B14F-4D97-AF65-F5344CB8AC3E}">
@@ -4868,7 +4654,15 @@
             </a:r>
             <a:r>
               <a:rPr lang="en-US" dirty="0" smtClean="0"/>
-              <a:t> (20%) </a:t>
+              <a:t> </a:t>
+            </a:r>
+            <a:r>
+              <a:rPr lang="en-US" dirty="0" smtClean="0"/>
+              <a:t>(20%</a:t>
+            </a:r>
+            <a:r>
+              <a:rPr lang="en-US" dirty="0" smtClean="0"/>
+              <a:t>) </a:t>
             </a:r>
           </a:p>
           <a:p>
@@ -4886,7 +4680,19 @@
           <a:p>
             <a:r>
               <a:rPr lang="en-US" dirty="0" smtClean="0"/>
-              <a:t>Exams (35%)</a:t>
+              <a:t>Exams </a:t>
+            </a:r>
+            <a:r>
+              <a:rPr lang="en-US" dirty="0" smtClean="0"/>
+              <a:t>(35</a:t>
+            </a:r>
+            <a:r>
+              <a:rPr lang="en-US" dirty="0" smtClean="0"/>
+              <a:t>%</a:t>
+            </a:r>
+            <a:r>
+              <a:rPr lang="en-US" dirty="0" smtClean="0"/>
+              <a:t>)</a:t>
             </a:r>
           </a:p>
           <a:p>
@@ -4896,29 +4702,6 @@
               <a:t>Two exams</a:t>
             </a:r>
             <a:endParaRPr lang="en-US" dirty="0" smtClean="0"/>
-          </a:p>
-        </p:txBody>
-      </p:sp>
-      <p:sp>
-        <p:nvSpPr>
-          <p:cNvPr id="4" name="Footer Placeholder 3"/>
-          <p:cNvSpPr>
-            <a:spLocks noGrp="1"/>
-          </p:cNvSpPr>
-          <p:nvPr>
-            <p:ph type="ftr" sz="quarter" idx="11"/>
-          </p:nvPr>
-        </p:nvSpPr>
-        <p:spPr/>
-        <p:txBody>
-          <a:bodyPr/>
-          <a:lstStyle/>
-          <a:p>
-            <a:r>
-              <a:rPr lang="en-US" smtClean="0"/>
-              <a:t>CIS428/CIS628 Introduction to Cryptography</a:t>
-            </a:r>
-            <a:endParaRPr lang="en-US"/>
           </a:p>
         </p:txBody>
       </p:sp>
@@ -5058,29 +4841,6 @@
           </a:p>
         </p:txBody>
       </p:sp>
-      <p:sp>
-        <p:nvSpPr>
-          <p:cNvPr id="4" name="Footer Placeholder 3"/>
-          <p:cNvSpPr>
-            <a:spLocks noGrp="1"/>
-          </p:cNvSpPr>
-          <p:nvPr>
-            <p:ph type="ftr" sz="quarter" idx="11"/>
-          </p:nvPr>
-        </p:nvSpPr>
-        <p:spPr/>
-        <p:txBody>
-          <a:bodyPr/>
-          <a:lstStyle/>
-          <a:p>
-            <a:r>
-              <a:rPr lang="en-US" smtClean="0"/>
-              <a:t>CIS428/CIS628 Introduction to Cryptography</a:t>
-            </a:r>
-            <a:endParaRPr lang="en-US"/>
-          </a:p>
-        </p:txBody>
-      </p:sp>
     </p:spTree>
     <p:extLst>
       <p:ext uri="{BB962C8B-B14F-4D97-AF65-F5344CB8AC3E}">
@@ -5095,6 +4855,206 @@
 </file>
 
 <file path=ppt/slides/slide8.xml><?xml version="1.0" encoding="utf-8"?>
+<p:sld xmlns:a="http://schemas.openxmlformats.org/drawingml/2006/main" xmlns:r="http://schemas.openxmlformats.org/officeDocument/2006/relationships" xmlns:p="http://schemas.openxmlformats.org/presentationml/2006/main" show="0">
+  <p:cSld>
+    <p:spTree>
+      <p:nvGrpSpPr>
+        <p:cNvPr id="1" name=""/>
+        <p:cNvGrpSpPr/>
+        <p:nvPr/>
+      </p:nvGrpSpPr>
+      <p:grpSpPr>
+        <a:xfrm>
+          <a:off x="0" y="0"/>
+          <a:ext cx="0" cy="0"/>
+          <a:chOff x="0" y="0"/>
+          <a:chExt cx="0" cy="0"/>
+        </a:xfrm>
+      </p:grpSpPr>
+      <p:sp>
+        <p:nvSpPr>
+          <p:cNvPr id="2" name="Title 1"/>
+          <p:cNvSpPr>
+            <a:spLocks noGrp="1"/>
+          </p:cNvSpPr>
+          <p:nvPr>
+            <p:ph type="title"/>
+          </p:nvPr>
+        </p:nvSpPr>
+        <p:spPr/>
+        <p:txBody>
+          <a:bodyPr/>
+          <a:lstStyle/>
+          <a:p>
+            <a:r>
+              <a:rPr lang="en-US" dirty="0" smtClean="0"/>
+              <a:t>Presentation and projects</a:t>
+            </a:r>
+            <a:endParaRPr lang="en-US" dirty="0"/>
+          </a:p>
+        </p:txBody>
+      </p:sp>
+      <p:sp>
+        <p:nvSpPr>
+          <p:cNvPr id="3" name="Content Placeholder 2"/>
+          <p:cNvSpPr>
+            <a:spLocks noGrp="1"/>
+          </p:cNvSpPr>
+          <p:nvPr>
+            <p:ph idx="1"/>
+          </p:nvPr>
+        </p:nvSpPr>
+        <p:spPr/>
+        <p:txBody>
+          <a:bodyPr>
+            <a:normAutofit fontScale="85000" lnSpcReduction="20000"/>
+          </a:bodyPr>
+          <a:lstStyle/>
+          <a:p>
+            <a:r>
+              <a:rPr lang="en-US" dirty="0" smtClean="0"/>
+              <a:t>Four topics of your choice</a:t>
+            </a:r>
+          </a:p>
+          <a:p>
+            <a:pPr marL="971550" lvl="1" indent="-514350">
+              <a:buFont typeface="+mj-lt"/>
+              <a:buAutoNum type="arabicPeriod"/>
+            </a:pPr>
+            <a:r>
+              <a:rPr lang="en-US" dirty="0" smtClean="0"/>
+              <a:t>Cryptographic games (</a:t>
+            </a:r>
+            <a:r>
+              <a:rPr lang="en-US" dirty="0" err="1" smtClean="0"/>
+              <a:t>EasyCrypt</a:t>
+            </a:r>
+            <a:r>
+              <a:rPr lang="en-US" dirty="0" smtClean="0"/>
+              <a:t>)</a:t>
+            </a:r>
+          </a:p>
+          <a:p>
+            <a:pPr marL="971550" lvl="1" indent="-514350">
+              <a:buFont typeface="+mj-lt"/>
+              <a:buAutoNum type="arabicPeriod"/>
+            </a:pPr>
+            <a:r>
+              <a:rPr lang="en-US" dirty="0" smtClean="0"/>
+              <a:t>TEE and TPM (using Intel SGX)</a:t>
+            </a:r>
+          </a:p>
+          <a:p>
+            <a:pPr marL="971550" lvl="1" indent="-514350">
+              <a:buFont typeface="+mj-lt"/>
+              <a:buAutoNum type="arabicPeriod"/>
+            </a:pPr>
+            <a:r>
+              <a:rPr lang="en-US" dirty="0" err="1" smtClean="0"/>
+              <a:t>Blockchain</a:t>
+            </a:r>
+            <a:r>
+              <a:rPr lang="en-US" dirty="0" smtClean="0"/>
+              <a:t> and </a:t>
+            </a:r>
+            <a:r>
+              <a:rPr lang="en-US" dirty="0" err="1" smtClean="0"/>
+              <a:t>Bitcoin</a:t>
+            </a:r>
+            <a:r>
+              <a:rPr lang="en-US" dirty="0"/>
+              <a:t> </a:t>
+            </a:r>
+            <a:r>
+              <a:rPr lang="en-US" dirty="0" smtClean="0"/>
+              <a:t>(using </a:t>
+            </a:r>
+            <a:r>
+              <a:rPr lang="en-US" dirty="0" err="1" smtClean="0"/>
+              <a:t>Ethereum</a:t>
+            </a:r>
+            <a:r>
+              <a:rPr lang="en-US" dirty="0"/>
+              <a:t>)</a:t>
+            </a:r>
+            <a:endParaRPr lang="en-US" dirty="0" smtClean="0"/>
+          </a:p>
+          <a:p>
+            <a:pPr marL="971550" lvl="1" indent="-514350">
+              <a:buFont typeface="+mj-lt"/>
+              <a:buAutoNum type="arabicPeriod"/>
+            </a:pPr>
+            <a:r>
+              <a:rPr lang="en-US" dirty="0" smtClean="0"/>
+              <a:t>Password and authentication (cracking Linux crypt())</a:t>
+            </a:r>
+            <a:endParaRPr lang="en-US" dirty="0"/>
+          </a:p>
+          <a:p>
+            <a:r>
+              <a:rPr lang="en-US" dirty="0" smtClean="0"/>
+              <a:t>For each topic chosen, you should</a:t>
+            </a:r>
+          </a:p>
+          <a:p>
+            <a:pPr lvl="1"/>
+            <a:r>
+              <a:rPr lang="en-US" dirty="0" smtClean="0"/>
+              <a:t>1. Present a paper in the class; see paper choice in website</a:t>
+            </a:r>
+          </a:p>
+          <a:p>
+            <a:pPr lvl="1"/>
+            <a:r>
+              <a:rPr lang="en-US" dirty="0" smtClean="0"/>
+              <a:t>2. Do the programming project of the topic</a:t>
+            </a:r>
+          </a:p>
+          <a:p>
+            <a:r>
+              <a:rPr lang="en-US" dirty="0" smtClean="0"/>
+              <a:t>For each topic, you will need to self-study but I will </a:t>
+            </a:r>
+          </a:p>
+          <a:p>
+            <a:pPr lvl="1"/>
+            <a:r>
+              <a:rPr lang="en-US" dirty="0" smtClean="0"/>
+              <a:t>Give lectures introducing the basics. See website.</a:t>
+            </a:r>
+          </a:p>
+          <a:p>
+            <a:pPr lvl="1"/>
+            <a:r>
+              <a:rPr lang="en-US" dirty="0" smtClean="0"/>
+              <a:t>Provide programming guidance.</a:t>
+            </a:r>
+            <a:endParaRPr lang="en-US" dirty="0"/>
+          </a:p>
+        </p:txBody>
+      </p:sp>
+    </p:spTree>
+    <p:extLst>
+      <p:ext uri="{BB962C8B-B14F-4D97-AF65-F5344CB8AC3E}">
+        <p14:creationId xmlns:p14="http://schemas.microsoft.com/office/powerpoint/2010/main" val="1261244421"/>
+      </p:ext>
+    </p:extLst>
+  </p:cSld>
+  <p:clrMapOvr>
+    <a:masterClrMapping/>
+  </p:clrMapOvr>
+  <mc:AlternateContent xmlns:mc="http://schemas.openxmlformats.org/markup-compatibility/2006">
+    <mc:Choice xmlns:p14="http://schemas.microsoft.com/office/powerpoint/2010/main" Requires="p14">
+      <p:transition spd="slow" p14:dur="2000"/>
+    </mc:Choice>
+    <mc:Fallback>
+      <p:transition xmlns:p14="http://schemas.microsoft.com/office/powerpoint/2010/main" spd="slow"/>
+    </mc:Fallback>
+  </mc:AlternateContent>
+</p:sld>
+</file>
+
+<file path=ppt/slides/slide9.xml><?xml version="1.0" encoding="utf-8"?>
 <p:sld xmlns:a="http://schemas.openxmlformats.org/drawingml/2006/main" xmlns:r="http://schemas.openxmlformats.org/officeDocument/2006/relationships" xmlns:p="http://schemas.openxmlformats.org/presentationml/2006/main">
   <p:cSld>
     <p:spTree>
@@ -5281,24 +5241,25 @@
       </p:sp>
       <p:sp>
         <p:nvSpPr>
-          <p:cNvPr id="5" name="Footer Placeholder 4"/>
-          <p:cNvSpPr>
-            <a:spLocks noGrp="1"/>
-          </p:cNvSpPr>
-          <p:nvPr>
-            <p:ph type="ftr" sz="quarter" idx="11"/>
-          </p:nvPr>
-        </p:nvSpPr>
-        <p:spPr/>
-        <p:txBody>
-          <a:bodyPr/>
-          <a:lstStyle/>
-          <a:p>
-            <a:r>
-              <a:rPr lang="en-US" smtClean="0"/>
-              <a:t>CIS428/CIS628 Introduction to Cryptography</a:t>
-            </a:r>
-            <a:endParaRPr lang="en-US"/>
+          <p:cNvPr id="4" name="Slide Number Placeholder 3"/>
+          <p:cNvSpPr>
+            <a:spLocks noGrp="1"/>
+          </p:cNvSpPr>
+          <p:nvPr>
+            <p:ph type="sldNum" sz="quarter" idx="12"/>
+          </p:nvPr>
+        </p:nvSpPr>
+        <p:spPr/>
+        <p:txBody>
+          <a:bodyPr/>
+          <a:lstStyle/>
+          <a:p>
+            <a:fld id="{B6F15528-21DE-4FAA-801E-634DDDAF4B2B}" type="slidenum">
+              <a:rPr lang="en-US" smtClean="0"/>
+              <a:pPr/>
+              <a:t>9</a:t>
+            </a:fld>
+            <a:endParaRPr lang="en-US" dirty="0"/>
           </a:p>
         </p:txBody>
       </p:sp>
@@ -5961,324 +5922,4 @@
   </a:objectDefaults>
   <a:extraClrSchemeLst/>
 </a:theme>
-</file>
-
-<file path=ppt/theme/theme3.xml><?xml version="1.0" encoding="utf-8"?>
-<a:theme xmlns:a="http://schemas.openxmlformats.org/drawingml/2006/main" name="Office Theme">
-  <a:themeElements>
-    <a:clrScheme name="Office">
-      <a:dk1>
-        <a:sysClr val="windowText" lastClr="000000"/>
-      </a:dk1>
-      <a:lt1>
-        <a:sysClr val="window" lastClr="FFFFFF"/>
-      </a:lt1>
-      <a:dk2>
-        <a:srgbClr val="1F497D"/>
-      </a:dk2>
-      <a:lt2>
-        <a:srgbClr val="EEECE1"/>
-      </a:lt2>
-      <a:accent1>
-        <a:srgbClr val="4F81BD"/>
-      </a:accent1>
-      <a:accent2>
-        <a:srgbClr val="C0504D"/>
-      </a:accent2>
-      <a:accent3>
-        <a:srgbClr val="9BBB59"/>
-      </a:accent3>
-      <a:accent4>
-        <a:srgbClr val="8064A2"/>
-      </a:accent4>
-      <a:accent5>
-        <a:srgbClr val="4BACC6"/>
-      </a:accent5>
-      <a:accent6>
-        <a:srgbClr val="F79646"/>
-      </a:accent6>
-      <a:hlink>
-        <a:srgbClr val="0000FF"/>
-      </a:hlink>
-      <a:folHlink>
-        <a:srgbClr val="800080"/>
-      </a:folHlink>
-    </a:clrScheme>
-    <a:fontScheme name="Office">
-      <a:majorFont>
-        <a:latin typeface="Calibri"/>
-        <a:ea typeface=""/>
-        <a:cs typeface=""/>
-        <a:font script="Jpan" typeface="ＭＳ Ｐゴシック"/>
-        <a:font script="Hang" typeface="맑은 고딕"/>
-        <a:font script="Hans" typeface="宋体"/>
-        <a:font script="Hant" typeface="新細明體"/>
-        <a:font script="Arab" typeface="Times New Roman"/>
-        <a:font script="Hebr" typeface="Times New Roman"/>
-        <a:font script="Thai" typeface="Angsana New"/>
-        <a:font script="Ethi" typeface="Nyala"/>
-        <a:font script="Beng" typeface="Vrinda"/>
-        <a:font script="Gujr" typeface="Shruti"/>
-        <a:font script="Khmr" typeface="MoolBoran"/>
-        <a:font script="Knda" typeface="Tunga"/>
-        <a:font script="Guru" typeface="Raavi"/>
-        <a:font script="Cans" typeface="Euphemia"/>
-        <a:font script="Cher" typeface="Plantagenet Cherokee"/>
-        <a:font script="Yiii" typeface="Microsoft Yi Baiti"/>
-        <a:font script="Tibt" typeface="Microsoft Himalaya"/>
-        <a:font script="Thaa" typeface="MV Boli"/>
-        <a:font script="Deva" typeface="Mangal"/>
-        <a:font script="Telu" typeface="Gautami"/>
-        <a:font script="Taml" typeface="Latha"/>
-        <a:font script="Syrc" typeface="Estrangelo Edessa"/>
-        <a:font script="Orya" typeface="Kalinga"/>
-        <a:font script="Mlym" typeface="Kartika"/>
-        <a:font script="Laoo" typeface="DokChampa"/>
-        <a:font script="Sinh" typeface="Iskoola Pota"/>
-        <a:font script="Mong" typeface="Mongolian Baiti"/>
-        <a:font script="Viet" typeface="Times New Roman"/>
-        <a:font script="Uigh" typeface="Microsoft Uighur"/>
-        <a:font script="Geor" typeface="Sylfaen"/>
-      </a:majorFont>
-      <a:minorFont>
-        <a:latin typeface="Calibri"/>
-        <a:ea typeface=""/>
-        <a:cs typeface=""/>
-        <a:font script="Jpan" typeface="ＭＳ Ｐゴシック"/>
-        <a:font script="Hang" typeface="맑은 고딕"/>
-        <a:font script="Hans" typeface="宋体"/>
-        <a:font script="Hant" typeface="新細明體"/>
-        <a:font script="Arab" typeface="Arial"/>
-        <a:font script="Hebr" typeface="Arial"/>
-        <a:font script="Thai" typeface="Cordia New"/>
-        <a:font script="Ethi" typeface="Nyala"/>
-        <a:font script="Beng" typeface="Vrinda"/>
-        <a:font script="Gujr" typeface="Shruti"/>
-        <a:font script="Khmr" typeface="DaunPenh"/>
-        <a:font script="Knda" typeface="Tunga"/>
-        <a:font script="Guru" typeface="Raavi"/>
-        <a:font script="Cans" typeface="Euphemia"/>
-        <a:font script="Cher" typeface="Plantagenet Cherokee"/>
-        <a:font script="Yiii" typeface="Microsoft Yi Baiti"/>
-        <a:font script="Tibt" typeface="Microsoft Himalaya"/>
-        <a:font script="Thaa" typeface="MV Boli"/>
-        <a:font script="Deva" typeface="Mangal"/>
-        <a:font script="Telu" typeface="Gautami"/>
-        <a:font script="Taml" typeface="Latha"/>
-        <a:font script="Syrc" typeface="Estrangelo Edessa"/>
-        <a:font script="Orya" typeface="Kalinga"/>
-        <a:font script="Mlym" typeface="Kartika"/>
-        <a:font script="Laoo" typeface="DokChampa"/>
-        <a:font script="Sinh" typeface="Iskoola Pota"/>
-        <a:font script="Mong" typeface="Mongolian Baiti"/>
-        <a:font script="Viet" typeface="Arial"/>
-        <a:font script="Uigh" typeface="Microsoft Uighur"/>
-        <a:font script="Geor" typeface="Sylfaen"/>
-      </a:minorFont>
-    </a:fontScheme>
-    <a:fmtScheme name="Office">
-      <a:fillStyleLst>
-        <a:solidFill>
-          <a:schemeClr val="phClr"/>
-        </a:solidFill>
-        <a:gradFill rotWithShape="1">
-          <a:gsLst>
-            <a:gs pos="0">
-              <a:schemeClr val="phClr">
-                <a:tint val="50000"/>
-                <a:satMod val="300000"/>
-              </a:schemeClr>
-            </a:gs>
-            <a:gs pos="35000">
-              <a:schemeClr val="phClr">
-                <a:tint val="37000"/>
-                <a:satMod val="300000"/>
-              </a:schemeClr>
-            </a:gs>
-            <a:gs pos="100000">
-              <a:schemeClr val="phClr">
-                <a:tint val="15000"/>
-                <a:satMod val="350000"/>
-              </a:schemeClr>
-            </a:gs>
-          </a:gsLst>
-          <a:lin ang="16200000" scaled="1"/>
-        </a:gradFill>
-        <a:gradFill rotWithShape="1">
-          <a:gsLst>
-            <a:gs pos="0">
-              <a:schemeClr val="phClr">
-                <a:tint val="100000"/>
-                <a:shade val="100000"/>
-                <a:satMod val="130000"/>
-              </a:schemeClr>
-            </a:gs>
-            <a:gs pos="100000">
-              <a:schemeClr val="phClr">
-                <a:tint val="50000"/>
-                <a:shade val="100000"/>
-                <a:satMod val="350000"/>
-              </a:schemeClr>
-            </a:gs>
-          </a:gsLst>
-          <a:lin ang="16200000" scaled="0"/>
-        </a:gradFill>
-      </a:fillStyleLst>
-      <a:lnStyleLst>
-        <a:ln w="9525" cap="flat" cmpd="sng" algn="ctr">
-          <a:solidFill>
-            <a:schemeClr val="phClr">
-              <a:shade val="95000"/>
-              <a:satMod val="105000"/>
-            </a:schemeClr>
-          </a:solidFill>
-          <a:prstDash val="solid"/>
-        </a:ln>
-        <a:ln w="25400" cap="flat" cmpd="sng" algn="ctr">
-          <a:solidFill>
-            <a:schemeClr val="phClr"/>
-          </a:solidFill>
-          <a:prstDash val="solid"/>
-        </a:ln>
-        <a:ln w="38100" cap="flat" cmpd="sng" algn="ctr">
-          <a:solidFill>
-            <a:schemeClr val="phClr"/>
-          </a:solidFill>
-          <a:prstDash val="solid"/>
-        </a:ln>
-      </a:lnStyleLst>
-      <a:effectStyleLst>
-        <a:effectStyle>
-          <a:effectLst>
-            <a:outerShdw blurRad="40000" dist="20000" dir="5400000" rotWithShape="0">
-              <a:srgbClr val="000000">
-                <a:alpha val="38000"/>
-              </a:srgbClr>
-            </a:outerShdw>
-          </a:effectLst>
-        </a:effectStyle>
-        <a:effectStyle>
-          <a:effectLst>
-            <a:outerShdw blurRad="40000" dist="23000" dir="5400000" rotWithShape="0">
-              <a:srgbClr val="000000">
-                <a:alpha val="35000"/>
-              </a:srgbClr>
-            </a:outerShdw>
-          </a:effectLst>
-        </a:effectStyle>
-        <a:effectStyle>
-          <a:effectLst>
-            <a:outerShdw blurRad="40000" dist="23000" dir="5400000" rotWithShape="0">
-              <a:srgbClr val="000000">
-                <a:alpha val="35000"/>
-              </a:srgbClr>
-            </a:outerShdw>
-          </a:effectLst>
-          <a:scene3d>
-            <a:camera prst="orthographicFront">
-              <a:rot lat="0" lon="0" rev="0"/>
-            </a:camera>
-            <a:lightRig rig="threePt" dir="t">
-              <a:rot lat="0" lon="0" rev="1200000"/>
-            </a:lightRig>
-          </a:scene3d>
-          <a:sp3d>
-            <a:bevelT w="63500" h="25400"/>
-          </a:sp3d>
-        </a:effectStyle>
-      </a:effectStyleLst>
-      <a:bgFillStyleLst>
-        <a:solidFill>
-          <a:schemeClr val="phClr"/>
-        </a:solidFill>
-        <a:gradFill rotWithShape="1">
-          <a:gsLst>
-            <a:gs pos="0">
-              <a:schemeClr val="phClr">
-                <a:tint val="40000"/>
-                <a:satMod val="350000"/>
-              </a:schemeClr>
-            </a:gs>
-            <a:gs pos="40000">
-              <a:schemeClr val="phClr">
-                <a:tint val="45000"/>
-                <a:shade val="99000"/>
-                <a:satMod val="350000"/>
-              </a:schemeClr>
-            </a:gs>
-            <a:gs pos="100000">
-              <a:schemeClr val="phClr">
-                <a:shade val="20000"/>
-                <a:satMod val="255000"/>
-              </a:schemeClr>
-            </a:gs>
-          </a:gsLst>
-          <a:path path="circle">
-            <a:fillToRect l="50000" t="-80000" r="50000" b="180000"/>
-          </a:path>
-        </a:gradFill>
-        <a:gradFill rotWithShape="1">
-          <a:gsLst>
-            <a:gs pos="0">
-              <a:schemeClr val="phClr">
-                <a:tint val="80000"/>
-                <a:satMod val="300000"/>
-              </a:schemeClr>
-            </a:gs>
-            <a:gs pos="100000">
-              <a:schemeClr val="phClr">
-                <a:shade val="30000"/>
-                <a:satMod val="200000"/>
-              </a:schemeClr>
-            </a:gs>
-          </a:gsLst>
-          <a:path path="circle">
-            <a:fillToRect l="50000" t="50000" r="50000" b="50000"/>
-          </a:path>
-        </a:gradFill>
-      </a:bgFillStyleLst>
-    </a:fmtScheme>
-  </a:themeElements>
-  <a:objectDefaults>
-    <a:spDef>
-      <a:spPr/>
-      <a:bodyPr/>
-      <a:lstStyle/>
-      <a:style>
-        <a:lnRef idx="1">
-          <a:schemeClr val="accent1"/>
-        </a:lnRef>
-        <a:fillRef idx="3">
-          <a:schemeClr val="accent1"/>
-        </a:fillRef>
-        <a:effectRef idx="2">
-          <a:schemeClr val="accent1"/>
-        </a:effectRef>
-        <a:fontRef idx="minor">
-          <a:schemeClr val="lt1"/>
-        </a:fontRef>
-      </a:style>
-    </a:spDef>
-    <a:lnDef>
-      <a:spPr/>
-      <a:bodyPr/>
-      <a:lstStyle/>
-      <a:style>
-        <a:lnRef idx="2">
-          <a:schemeClr val="accent1"/>
-        </a:lnRef>
-        <a:fillRef idx="0">
-          <a:schemeClr val="accent1"/>
-        </a:fillRef>
-        <a:effectRef idx="1">
-          <a:schemeClr val="accent1"/>
-        </a:effectRef>
-        <a:fontRef idx="minor">
-          <a:schemeClr val="tx1"/>
-        </a:fontRef>
-      </a:style>
-    </a:lnDef>
-  </a:objectDefaults>
-  <a:extraClrSchemeLst/>
-</a:theme>
 </file>